--- a/E-BloodBank_proposal.pptx
+++ b/E-BloodBank_proposal.pptx
@@ -5,10 +5,10 @@
     <p:sldMasterId id="2147483828" r:id="rId1"/>
   </p:sldMasterIdLst>
   <p:notesMasterIdLst>
-    <p:notesMasterId r:id="rId14"/>
+    <p:notesMasterId r:id="rId15"/>
   </p:notesMasterIdLst>
   <p:handoutMasterIdLst>
-    <p:handoutMasterId r:id="rId15"/>
+    <p:handoutMasterId r:id="rId16"/>
   </p:handoutMasterIdLst>
   <p:sldIdLst>
     <p:sldId id="256" r:id="rId2"/>
@@ -18,11 +18,12 @@
     <p:sldId id="260" r:id="rId6"/>
     <p:sldId id="261" r:id="rId7"/>
     <p:sldId id="262" r:id="rId8"/>
-    <p:sldId id="263" r:id="rId9"/>
-    <p:sldId id="264" r:id="rId10"/>
-    <p:sldId id="265" r:id="rId11"/>
-    <p:sldId id="266" r:id="rId12"/>
-    <p:sldId id="267" r:id="rId13"/>
+    <p:sldId id="268" r:id="rId9"/>
+    <p:sldId id="263" r:id="rId10"/>
+    <p:sldId id="264" r:id="rId11"/>
+    <p:sldId id="265" r:id="rId12"/>
+    <p:sldId id="266" r:id="rId13"/>
+    <p:sldId id="267" r:id="rId14"/>
   </p:sldIdLst>
   <p:sldSz cx="12192000" cy="6858000"/>
   <p:notesSz cx="6858000" cy="9144000"/>
@@ -121,6 +122,11 @@
       </a:defRPr>
     </a:lvl9pPr>
   </p:defaultTextStyle>
+  <p:extLst>
+    <p:ext uri="{EFAFB233-063F-42B5-8137-9DF3F51BA10A}">
+      <p15:sldGuideLst xmlns:p15="http://schemas.microsoft.com/office/powerpoint/2012/main"/>
+    </p:ext>
+  </p:extLst>
 </p:presentation>
 </file>
 
@@ -436,38 +442,37 @@
           <a:p>
             <a:pPr lvl="0"/>
             <a:r>
-              <a:rPr lang="en-US" smtClean="0"/>
+              <a:rPr lang="en-US"/>
               <a:t>Click to edit Master text styles</a:t>
             </a:r>
           </a:p>
           <a:p>
             <a:pPr lvl="1"/>
             <a:r>
-              <a:rPr lang="en-US" smtClean="0"/>
+              <a:rPr lang="en-US"/>
               <a:t>Second level</a:t>
             </a:r>
           </a:p>
           <a:p>
             <a:pPr lvl="2"/>
             <a:r>
-              <a:rPr lang="en-US" smtClean="0"/>
+              <a:rPr lang="en-US"/>
               <a:t>Third level</a:t>
             </a:r>
           </a:p>
           <a:p>
             <a:pPr lvl="3"/>
             <a:r>
-              <a:rPr lang="en-US" smtClean="0"/>
+              <a:rPr lang="en-US"/>
               <a:t>Fourth level</a:t>
             </a:r>
           </a:p>
           <a:p>
             <a:pPr lvl="4"/>
             <a:r>
-              <a:rPr lang="en-US" smtClean="0"/>
+              <a:rPr lang="en-US"/>
               <a:t>Fifth level</a:t>
             </a:r>
-            <a:endParaRPr lang="en-US"/>
           </a:p>
         </p:txBody>
       </p:sp>
@@ -822,7 +827,7 @@
           </a:lstStyle>
           <a:p>
             <a:r>
-              <a:rPr lang="en-US" smtClean="0"/>
+              <a:rPr lang="en-US"/>
               <a:t>Click to edit Master title style</a:t>
             </a:r>
             <a:endParaRPr lang="en-US" dirty="0"/>
@@ -895,7 +900,7 @@
           </a:lstStyle>
           <a:p>
             <a:r>
-              <a:rPr lang="en-US" smtClean="0"/>
+              <a:rPr lang="en-US"/>
               <a:t>Click to edit Master subtitle style</a:t>
             </a:r>
             <a:endParaRPr lang="en-US" dirty="0"/>
@@ -1057,7 +1062,7 @@
           </a:lstStyle>
           <a:p>
             <a:r>
-              <a:rPr lang="en-US" smtClean="0"/>
+              <a:rPr lang="en-US"/>
               <a:t>Click to edit Master title style</a:t>
             </a:r>
             <a:endParaRPr lang="en-US" dirty="0"/>
@@ -1150,7 +1155,7 @@
           </a:lstStyle>
           <a:p>
             <a:r>
-              <a:rPr lang="en-US" smtClean="0"/>
+              <a:rPr lang="en-US"/>
               <a:t>Click icon to add picture</a:t>
             </a:r>
             <a:endParaRPr lang="en-US" dirty="0"/>
@@ -1216,7 +1221,7 @@
           <a:p>
             <a:pPr lvl="0"/>
             <a:r>
-              <a:rPr lang="en-US" smtClean="0"/>
+              <a:rPr lang="en-US"/>
               <a:t>Click to edit Master text styles</a:t>
             </a:r>
           </a:p>
@@ -1373,7 +1378,7 @@
           </a:lstStyle>
           <a:p>
             <a:r>
-              <a:rPr lang="en-US" smtClean="0"/>
+              <a:rPr lang="en-US"/>
               <a:t>Click to edit Master title style</a:t>
             </a:r>
             <a:endParaRPr lang="en-US" dirty="0"/>
@@ -1439,7 +1444,7 @@
           <a:p>
             <a:pPr lvl="0"/>
             <a:r>
-              <a:rPr lang="en-US" smtClean="0"/>
+              <a:rPr lang="en-US"/>
               <a:t>Click to edit Master text styles</a:t>
             </a:r>
           </a:p>
@@ -1596,7 +1601,7 @@
           </a:lstStyle>
           <a:p>
             <a:r>
-              <a:rPr lang="en-US" smtClean="0"/>
+              <a:rPr lang="en-US"/>
               <a:t>Click to edit Master title style</a:t>
             </a:r>
             <a:endParaRPr lang="en-US" dirty="0"/>
@@ -1664,7 +1669,7 @@
           <a:p>
             <a:pPr lvl="0"/>
             <a:r>
-              <a:rPr lang="en-US" smtClean="0"/>
+              <a:rPr lang="en-US"/>
               <a:t>Click to edit Master text styles</a:t>
             </a:r>
           </a:p>
@@ -1731,7 +1736,7 @@
           <a:p>
             <a:pPr lvl="0"/>
             <a:r>
-              <a:rPr lang="en-US" smtClean="0"/>
+              <a:rPr lang="en-US"/>
               <a:t>Click to edit Master text styles</a:t>
             </a:r>
           </a:p>
@@ -2120,7 +2125,7 @@
           </a:lstStyle>
           <a:p>
             <a:r>
-              <a:rPr lang="en-US" smtClean="0"/>
+              <a:rPr lang="en-US"/>
               <a:t>Click to edit Master title style</a:t>
             </a:r>
             <a:endParaRPr lang="en-US" dirty="0"/>
@@ -2186,7 +2191,7 @@
           <a:p>
             <a:pPr lvl="0"/>
             <a:r>
-              <a:rPr lang="en-US" smtClean="0"/>
+              <a:rPr lang="en-US"/>
               <a:t>Click to edit Master text styles</a:t>
             </a:r>
           </a:p>
@@ -2339,7 +2344,7 @@
           <a:lstStyle/>
           <a:p>
             <a:r>
-              <a:rPr lang="en-US" smtClean="0"/>
+              <a:rPr lang="en-US"/>
               <a:t>Click to edit Master title style</a:t>
             </a:r>
             <a:endParaRPr lang="en-US" dirty="0"/>
@@ -2414,7 +2419,7 @@
           <a:p>
             <a:pPr lvl="0"/>
             <a:r>
-              <a:rPr lang="en-US" smtClean="0"/>
+              <a:rPr lang="en-US"/>
               <a:t>Click to edit Master text styles</a:t>
             </a:r>
           </a:p>
@@ -2481,7 +2486,7 @@
           <a:p>
             <a:pPr lvl="0"/>
             <a:r>
-              <a:rPr lang="en-US" smtClean="0"/>
+              <a:rPr lang="en-US"/>
               <a:t>Click to edit Master text styles</a:t>
             </a:r>
           </a:p>
@@ -2555,7 +2560,7 @@
           <a:p>
             <a:pPr lvl="0"/>
             <a:r>
-              <a:rPr lang="en-US" smtClean="0"/>
+              <a:rPr lang="en-US"/>
               <a:t>Click to edit Master text styles</a:t>
             </a:r>
           </a:p>
@@ -2622,7 +2627,7 @@
           <a:p>
             <a:pPr lvl="0"/>
             <a:r>
-              <a:rPr lang="en-US" smtClean="0"/>
+              <a:rPr lang="en-US"/>
               <a:t>Click to edit Master text styles</a:t>
             </a:r>
           </a:p>
@@ -2696,7 +2701,7 @@
           <a:p>
             <a:pPr lvl="0"/>
             <a:r>
-              <a:rPr lang="en-US" smtClean="0"/>
+              <a:rPr lang="en-US"/>
               <a:t>Click to edit Master text styles</a:t>
             </a:r>
           </a:p>
@@ -2763,7 +2768,7 @@
           <a:p>
             <a:pPr lvl="0"/>
             <a:r>
-              <a:rPr lang="en-US" smtClean="0"/>
+              <a:rPr lang="en-US"/>
               <a:t>Click to edit Master text styles</a:t>
             </a:r>
           </a:p>
@@ -2916,7 +2921,7 @@
           <a:lstStyle/>
           <a:p>
             <a:r>
-              <a:rPr lang="en-US" smtClean="0"/>
+              <a:rPr lang="en-US"/>
               <a:t>Click to edit Master title style</a:t>
             </a:r>
             <a:endParaRPr lang="en-US" dirty="0"/>
@@ -2991,7 +2996,7 @@
           <a:p>
             <a:pPr lvl="0"/>
             <a:r>
-              <a:rPr lang="en-US" smtClean="0"/>
+              <a:rPr lang="en-US"/>
               <a:t>Click to edit Master text styles</a:t>
             </a:r>
           </a:p>
@@ -3085,7 +3090,7 @@
           </a:lstStyle>
           <a:p>
             <a:r>
-              <a:rPr lang="en-US" smtClean="0"/>
+              <a:rPr lang="en-US"/>
               <a:t>Click icon to add picture</a:t>
             </a:r>
             <a:endParaRPr lang="en-US" dirty="0"/>
@@ -3153,7 +3158,7 @@
           <a:p>
             <a:pPr lvl="0"/>
             <a:r>
-              <a:rPr lang="en-US" smtClean="0"/>
+              <a:rPr lang="en-US"/>
               <a:t>Click to edit Master text styles</a:t>
             </a:r>
           </a:p>
@@ -3227,7 +3232,7 @@
           <a:p>
             <a:pPr lvl="0"/>
             <a:r>
-              <a:rPr lang="en-US" smtClean="0"/>
+              <a:rPr lang="en-US"/>
               <a:t>Click to edit Master text styles</a:t>
             </a:r>
           </a:p>
@@ -3321,7 +3326,7 @@
           </a:lstStyle>
           <a:p>
             <a:r>
-              <a:rPr lang="en-US" smtClean="0"/>
+              <a:rPr lang="en-US"/>
               <a:t>Click icon to add picture</a:t>
             </a:r>
             <a:endParaRPr lang="en-US" dirty="0"/>
@@ -3389,7 +3394,7 @@
           <a:p>
             <a:pPr lvl="0"/>
             <a:r>
-              <a:rPr lang="en-US" smtClean="0"/>
+              <a:rPr lang="en-US"/>
               <a:t>Click to edit Master text styles</a:t>
             </a:r>
           </a:p>
@@ -3463,7 +3468,7 @@
           <a:p>
             <a:pPr lvl="0"/>
             <a:r>
-              <a:rPr lang="en-US" smtClean="0"/>
+              <a:rPr lang="en-US"/>
               <a:t>Click to edit Master text styles</a:t>
             </a:r>
           </a:p>
@@ -3557,7 +3562,7 @@
           </a:lstStyle>
           <a:p>
             <a:r>
-              <a:rPr lang="en-US" smtClean="0"/>
+              <a:rPr lang="en-US"/>
               <a:t>Click icon to add picture</a:t>
             </a:r>
             <a:endParaRPr lang="en-US" dirty="0"/>
@@ -3625,7 +3630,7 @@
           <a:p>
             <a:pPr lvl="0"/>
             <a:r>
-              <a:rPr lang="en-US" smtClean="0"/>
+              <a:rPr lang="en-US"/>
               <a:t>Click to edit Master text styles</a:t>
             </a:r>
           </a:p>
@@ -3773,7 +3778,7 @@
           <a:lstStyle/>
           <a:p>
             <a:r>
-              <a:rPr lang="en-US" smtClean="0"/>
+              <a:rPr lang="en-US"/>
               <a:t>Click to edit Master title style</a:t>
             </a:r>
             <a:endParaRPr lang="en-US" dirty="0"/>
@@ -3802,35 +3807,35 @@
           <a:p>
             <a:pPr lvl="0"/>
             <a:r>
-              <a:rPr lang="en-US" smtClean="0"/>
+              <a:rPr lang="en-US"/>
               <a:t>Click to edit Master text styles</a:t>
             </a:r>
           </a:p>
           <a:p>
             <a:pPr lvl="1"/>
             <a:r>
-              <a:rPr lang="en-US" smtClean="0"/>
+              <a:rPr lang="en-US"/>
               <a:t>Second level</a:t>
             </a:r>
           </a:p>
           <a:p>
             <a:pPr lvl="2"/>
             <a:r>
-              <a:rPr lang="en-US" smtClean="0"/>
+              <a:rPr lang="en-US"/>
               <a:t>Third level</a:t>
             </a:r>
           </a:p>
           <a:p>
             <a:pPr lvl="3"/>
             <a:r>
-              <a:rPr lang="en-US" smtClean="0"/>
+              <a:rPr lang="en-US"/>
               <a:t>Fourth level</a:t>
             </a:r>
           </a:p>
           <a:p>
             <a:pPr lvl="4"/>
             <a:r>
-              <a:rPr lang="en-US" smtClean="0"/>
+              <a:rPr lang="en-US"/>
               <a:t>Fifth level</a:t>
             </a:r>
             <a:endParaRPr lang="en-US" dirty="0"/>
@@ -3987,7 +3992,7 @@
           </a:lstStyle>
           <a:p>
             <a:r>
-              <a:rPr lang="en-US" smtClean="0"/>
+              <a:rPr lang="en-US"/>
               <a:t>Click to edit Master title style</a:t>
             </a:r>
             <a:endParaRPr lang="en-US" dirty="0"/>
@@ -4016,35 +4021,35 @@
           <a:p>
             <a:pPr lvl="0"/>
             <a:r>
-              <a:rPr lang="en-US" smtClean="0"/>
+              <a:rPr lang="en-US"/>
               <a:t>Click to edit Master text styles</a:t>
             </a:r>
           </a:p>
           <a:p>
             <a:pPr lvl="1"/>
             <a:r>
-              <a:rPr lang="en-US" smtClean="0"/>
+              <a:rPr lang="en-US"/>
               <a:t>Second level</a:t>
             </a:r>
           </a:p>
           <a:p>
             <a:pPr lvl="2"/>
             <a:r>
-              <a:rPr lang="en-US" smtClean="0"/>
+              <a:rPr lang="en-US"/>
               <a:t>Third level</a:t>
             </a:r>
           </a:p>
           <a:p>
             <a:pPr lvl="3"/>
             <a:r>
-              <a:rPr lang="en-US" smtClean="0"/>
+              <a:rPr lang="en-US"/>
               <a:t>Fourth level</a:t>
             </a:r>
           </a:p>
           <a:p>
             <a:pPr lvl="4"/>
             <a:r>
-              <a:rPr lang="en-US" smtClean="0"/>
+              <a:rPr lang="en-US"/>
               <a:t>Fifth level</a:t>
             </a:r>
             <a:endParaRPr lang="en-US" dirty="0"/>
@@ -4192,7 +4197,7 @@
           <a:lstStyle/>
           <a:p>
             <a:r>
-              <a:rPr lang="en-US" smtClean="0"/>
+              <a:rPr lang="en-US"/>
               <a:t>Click to edit Master title style</a:t>
             </a:r>
             <a:endParaRPr lang="en-US" dirty="0"/>
@@ -4221,35 +4226,35 @@
           <a:p>
             <a:pPr lvl="0"/>
             <a:r>
-              <a:rPr lang="en-US" smtClean="0"/>
+              <a:rPr lang="en-US"/>
               <a:t>Click to edit Master text styles</a:t>
             </a:r>
           </a:p>
           <a:p>
             <a:pPr lvl="1"/>
             <a:r>
-              <a:rPr lang="en-US" smtClean="0"/>
+              <a:rPr lang="en-US"/>
               <a:t>Second level</a:t>
             </a:r>
           </a:p>
           <a:p>
             <a:pPr lvl="2"/>
             <a:r>
-              <a:rPr lang="en-US" smtClean="0"/>
+              <a:rPr lang="en-US"/>
               <a:t>Third level</a:t>
             </a:r>
           </a:p>
           <a:p>
             <a:pPr lvl="3"/>
             <a:r>
-              <a:rPr lang="en-US" smtClean="0"/>
+              <a:rPr lang="en-US"/>
               <a:t>Fourth level</a:t>
             </a:r>
           </a:p>
           <a:p>
             <a:pPr lvl="4"/>
             <a:r>
-              <a:rPr lang="en-US" smtClean="0"/>
+              <a:rPr lang="en-US"/>
               <a:t>Fifth level</a:t>
             </a:r>
             <a:endParaRPr lang="en-US" dirty="0"/>
@@ -4408,7 +4413,7 @@
           </a:lstStyle>
           <a:p>
             <a:r>
-              <a:rPr lang="en-US" smtClean="0"/>
+              <a:rPr lang="en-US"/>
               <a:t>Click to edit Master title style</a:t>
             </a:r>
             <a:endParaRPr lang="en-US" dirty="0"/>
@@ -4530,7 +4535,7 @@
           <a:p>
             <a:pPr lvl="0"/>
             <a:r>
-              <a:rPr lang="en-US" smtClean="0"/>
+              <a:rPr lang="en-US"/>
               <a:t>Click to edit Master text styles</a:t>
             </a:r>
           </a:p>
@@ -4682,7 +4687,7 @@
           <a:lstStyle/>
           <a:p>
             <a:r>
-              <a:rPr lang="en-US" smtClean="0"/>
+              <a:rPr lang="en-US"/>
               <a:t>Click to edit Master title style</a:t>
             </a:r>
             <a:endParaRPr lang="en-US" dirty="0"/>
@@ -4711,35 +4716,35 @@
           <a:p>
             <a:pPr lvl="0"/>
             <a:r>
-              <a:rPr lang="en-US" smtClean="0"/>
+              <a:rPr lang="en-US"/>
               <a:t>Click to edit Master text styles</a:t>
             </a:r>
           </a:p>
           <a:p>
             <a:pPr lvl="1"/>
             <a:r>
-              <a:rPr lang="en-US" smtClean="0"/>
+              <a:rPr lang="en-US"/>
               <a:t>Second level</a:t>
             </a:r>
           </a:p>
           <a:p>
             <a:pPr lvl="2"/>
             <a:r>
-              <a:rPr lang="en-US" smtClean="0"/>
+              <a:rPr lang="en-US"/>
               <a:t>Third level</a:t>
             </a:r>
           </a:p>
           <a:p>
             <a:pPr lvl="3"/>
             <a:r>
-              <a:rPr lang="en-US" smtClean="0"/>
+              <a:rPr lang="en-US"/>
               <a:t>Fourth level</a:t>
             </a:r>
           </a:p>
           <a:p>
             <a:pPr lvl="4"/>
             <a:r>
-              <a:rPr lang="en-US" smtClean="0"/>
+              <a:rPr lang="en-US"/>
               <a:t>Fifth level</a:t>
             </a:r>
             <a:endParaRPr lang="en-US" dirty="0"/>
@@ -4768,35 +4773,35 @@
           <a:p>
             <a:pPr lvl="0"/>
             <a:r>
-              <a:rPr lang="en-US" smtClean="0"/>
+              <a:rPr lang="en-US"/>
               <a:t>Click to edit Master text styles</a:t>
             </a:r>
           </a:p>
           <a:p>
             <a:pPr lvl="1"/>
             <a:r>
-              <a:rPr lang="en-US" smtClean="0"/>
+              <a:rPr lang="en-US"/>
               <a:t>Second level</a:t>
             </a:r>
           </a:p>
           <a:p>
             <a:pPr lvl="2"/>
             <a:r>
-              <a:rPr lang="en-US" smtClean="0"/>
+              <a:rPr lang="en-US"/>
               <a:t>Third level</a:t>
             </a:r>
           </a:p>
           <a:p>
             <a:pPr lvl="3"/>
             <a:r>
-              <a:rPr lang="en-US" smtClean="0"/>
+              <a:rPr lang="en-US"/>
               <a:t>Fourth level</a:t>
             </a:r>
           </a:p>
           <a:p>
             <a:pPr lvl="4"/>
             <a:r>
-              <a:rPr lang="en-US" smtClean="0"/>
+              <a:rPr lang="en-US"/>
               <a:t>Fifth level</a:t>
             </a:r>
             <a:endParaRPr lang="en-US" dirty="0"/>
@@ -4949,7 +4954,7 @@
           <a:lstStyle/>
           <a:p>
             <a:r>
-              <a:rPr lang="en-US" smtClean="0"/>
+              <a:rPr lang="en-US"/>
               <a:t>Click to edit Master title style</a:t>
             </a:r>
             <a:endParaRPr lang="en-US" dirty="0"/>
@@ -5024,7 +5029,7 @@
           <a:p>
             <a:pPr lvl="0"/>
             <a:r>
-              <a:rPr lang="en-US" smtClean="0"/>
+              <a:rPr lang="en-US"/>
               <a:t>Click to edit Master text styles</a:t>
             </a:r>
           </a:p>
@@ -5052,35 +5057,35 @@
           <a:p>
             <a:pPr lvl="0"/>
             <a:r>
-              <a:rPr lang="en-US" smtClean="0"/>
+              <a:rPr lang="en-US"/>
               <a:t>Click to edit Master text styles</a:t>
             </a:r>
           </a:p>
           <a:p>
             <a:pPr lvl="1"/>
             <a:r>
-              <a:rPr lang="en-US" smtClean="0"/>
+              <a:rPr lang="en-US"/>
               <a:t>Second level</a:t>
             </a:r>
           </a:p>
           <a:p>
             <a:pPr lvl="2"/>
             <a:r>
-              <a:rPr lang="en-US" smtClean="0"/>
+              <a:rPr lang="en-US"/>
               <a:t>Third level</a:t>
             </a:r>
           </a:p>
           <a:p>
             <a:pPr lvl="3"/>
             <a:r>
-              <a:rPr lang="en-US" smtClean="0"/>
+              <a:rPr lang="en-US"/>
               <a:t>Fourth level</a:t>
             </a:r>
           </a:p>
           <a:p>
             <a:pPr lvl="4"/>
             <a:r>
-              <a:rPr lang="en-US" smtClean="0"/>
+              <a:rPr lang="en-US"/>
               <a:t>Fifth level</a:t>
             </a:r>
             <a:endParaRPr lang="en-US" dirty="0"/>
@@ -5155,7 +5160,7 @@
           <a:p>
             <a:pPr lvl="0"/>
             <a:r>
-              <a:rPr lang="en-US" smtClean="0"/>
+              <a:rPr lang="en-US"/>
               <a:t>Click to edit Master text styles</a:t>
             </a:r>
           </a:p>
@@ -5183,35 +5188,35 @@
           <a:p>
             <a:pPr lvl="0"/>
             <a:r>
-              <a:rPr lang="en-US" smtClean="0"/>
+              <a:rPr lang="en-US"/>
               <a:t>Click to edit Master text styles</a:t>
             </a:r>
           </a:p>
           <a:p>
             <a:pPr lvl="1"/>
             <a:r>
-              <a:rPr lang="en-US" smtClean="0"/>
+              <a:rPr lang="en-US"/>
               <a:t>Second level</a:t>
             </a:r>
           </a:p>
           <a:p>
             <a:pPr lvl="2"/>
             <a:r>
-              <a:rPr lang="en-US" smtClean="0"/>
+              <a:rPr lang="en-US"/>
               <a:t>Third level</a:t>
             </a:r>
           </a:p>
           <a:p>
             <a:pPr lvl="3"/>
             <a:r>
-              <a:rPr lang="en-US" smtClean="0"/>
+              <a:rPr lang="en-US"/>
               <a:t>Fourth level</a:t>
             </a:r>
           </a:p>
           <a:p>
             <a:pPr lvl="4"/>
             <a:r>
-              <a:rPr lang="en-US" smtClean="0"/>
+              <a:rPr lang="en-US"/>
               <a:t>Fifth level</a:t>
             </a:r>
             <a:endParaRPr lang="en-US" dirty="0"/>
@@ -5359,7 +5364,7 @@
           <a:lstStyle/>
           <a:p>
             <a:r>
-              <a:rPr lang="en-US" smtClean="0"/>
+              <a:rPr lang="en-US"/>
               <a:t>Click to edit Master title style</a:t>
             </a:r>
             <a:endParaRPr lang="en-US" dirty="0"/>
@@ -5646,7 +5651,7 @@
           </a:lstStyle>
           <a:p>
             <a:r>
-              <a:rPr lang="en-US" smtClean="0"/>
+              <a:rPr lang="en-US"/>
               <a:t>Click to edit Master title style</a:t>
             </a:r>
             <a:endParaRPr lang="en-US" dirty="0"/>
@@ -5675,35 +5680,35 @@
           <a:p>
             <a:pPr lvl="0"/>
             <a:r>
-              <a:rPr lang="en-US" smtClean="0"/>
+              <a:rPr lang="en-US"/>
               <a:t>Click to edit Master text styles</a:t>
             </a:r>
           </a:p>
           <a:p>
             <a:pPr lvl="1"/>
             <a:r>
-              <a:rPr lang="en-US" smtClean="0"/>
+              <a:rPr lang="en-US"/>
               <a:t>Second level</a:t>
             </a:r>
           </a:p>
           <a:p>
             <a:pPr lvl="2"/>
             <a:r>
-              <a:rPr lang="en-US" smtClean="0"/>
+              <a:rPr lang="en-US"/>
               <a:t>Third level</a:t>
             </a:r>
           </a:p>
           <a:p>
             <a:pPr lvl="3"/>
             <a:r>
-              <a:rPr lang="en-US" smtClean="0"/>
+              <a:rPr lang="en-US"/>
               <a:t>Fourth level</a:t>
             </a:r>
           </a:p>
           <a:p>
             <a:pPr lvl="4"/>
             <a:r>
-              <a:rPr lang="en-US" smtClean="0"/>
+              <a:rPr lang="en-US"/>
               <a:t>Fifth level</a:t>
             </a:r>
             <a:endParaRPr lang="en-US" dirty="0"/>
@@ -5769,7 +5774,7 @@
           <a:p>
             <a:pPr lvl="0"/>
             <a:r>
-              <a:rPr lang="en-US" smtClean="0"/>
+              <a:rPr lang="en-US"/>
               <a:t>Click to edit Master text styles</a:t>
             </a:r>
           </a:p>
@@ -5930,7 +5935,7 @@
           </a:lstStyle>
           <a:p>
             <a:r>
-              <a:rPr lang="en-US" smtClean="0"/>
+              <a:rPr lang="en-US"/>
               <a:t>Click to edit Master title style</a:t>
             </a:r>
             <a:endParaRPr lang="en-US" dirty="0"/>
@@ -6023,7 +6028,7 @@
           </a:lstStyle>
           <a:p>
             <a:r>
-              <a:rPr lang="en-US" smtClean="0"/>
+              <a:rPr lang="en-US"/>
               <a:t>Click icon to add picture</a:t>
             </a:r>
             <a:endParaRPr lang="en-US" dirty="0"/>
@@ -6089,7 +6094,7 @@
           <a:p>
             <a:pPr lvl="0"/>
             <a:r>
-              <a:rPr lang="en-US" smtClean="0"/>
+              <a:rPr lang="en-US"/>
               <a:t>Click to edit Master text styles</a:t>
             </a:r>
           </a:p>
@@ -6263,7 +6268,7 @@
           <a:lstStyle/>
           <a:p>
             <a:r>
-              <a:rPr lang="en-US" smtClean="0"/>
+              <a:rPr lang="en-US"/>
               <a:t>Click to edit Master title style</a:t>
             </a:r>
             <a:endParaRPr lang="en-US" dirty="0"/>
@@ -6297,35 +6302,35 @@
           <a:p>
             <a:pPr lvl="0"/>
             <a:r>
-              <a:rPr lang="en-US" smtClean="0"/>
+              <a:rPr lang="en-US"/>
               <a:t>Click to edit Master text styles</a:t>
             </a:r>
           </a:p>
           <a:p>
             <a:pPr lvl="1"/>
             <a:r>
-              <a:rPr lang="en-US" smtClean="0"/>
+              <a:rPr lang="en-US"/>
               <a:t>Second level</a:t>
             </a:r>
           </a:p>
           <a:p>
             <a:pPr lvl="2"/>
             <a:r>
-              <a:rPr lang="en-US" smtClean="0"/>
+              <a:rPr lang="en-US"/>
               <a:t>Third level</a:t>
             </a:r>
           </a:p>
           <a:p>
             <a:pPr lvl="3"/>
             <a:r>
-              <a:rPr lang="en-US" smtClean="0"/>
+              <a:rPr lang="en-US"/>
               <a:t>Fourth level</a:t>
             </a:r>
           </a:p>
           <a:p>
             <a:pPr lvl="4"/>
             <a:r>
-              <a:rPr lang="en-US" smtClean="0"/>
+              <a:rPr lang="en-US"/>
               <a:t>Fifth level</a:t>
             </a:r>
             <a:endParaRPr lang="en-US" dirty="0"/>
@@ -6838,36 +6843,33 @@
           <a:lstStyle/>
           <a:p>
             <a:r>
-              <a:rPr lang="en-US" sz="4000" b="1" dirty="0" smtClean="0">
+              <a:rPr lang="en-US" sz="4000" b="1" dirty="0">
                 <a:latin typeface="Bodoni MT Black" panose="02070A03080606020203" pitchFamily="18" charset="0"/>
               </a:rPr>
               <a:t>A PROPOSAL DEFENSE </a:t>
             </a:r>
             <a:br>
-              <a:rPr lang="en-US" sz="4000" b="1" dirty="0" smtClean="0">
+              <a:rPr lang="en-US" sz="4000" b="1" dirty="0">
                 <a:latin typeface="Bodoni MT Black" panose="02070A03080606020203" pitchFamily="18" charset="0"/>
               </a:rPr>
             </a:br>
             <a:r>
-              <a:rPr lang="en-US" sz="4000" b="1" dirty="0" smtClean="0">
+              <a:rPr lang="en-US" sz="4000" b="1" dirty="0">
                 <a:latin typeface="Bodoni MT Black" panose="02070A03080606020203" pitchFamily="18" charset="0"/>
               </a:rPr>
               <a:t>ON </a:t>
             </a:r>
             <a:br>
-              <a:rPr lang="en-US" sz="4000" b="1" dirty="0" smtClean="0">
+              <a:rPr lang="en-US" sz="4000" b="1" dirty="0">
                 <a:latin typeface="Bodoni MT Black" panose="02070A03080606020203" pitchFamily="18" charset="0"/>
               </a:rPr>
             </a:br>
             <a:r>
-              <a:rPr lang="en-US" sz="4000" b="1" dirty="0" smtClean="0">
+              <a:rPr lang="en-US" sz="4000" b="1" dirty="0">
                 <a:latin typeface="Bodoni MT Black" panose="02070A03080606020203" pitchFamily="18" charset="0"/>
               </a:rPr>
               <a:t>‘E-BLOOD BANK’</a:t>
             </a:r>
-            <a:endParaRPr lang="en-US" sz="4000" b="1" dirty="0">
-              <a:latin typeface="Bodoni MT Black" panose="02070A03080606020203" pitchFamily="18" charset="0"/>
-            </a:endParaRPr>
           </a:p>
         </p:txBody>
       </p:sp>
@@ -6895,10 +6897,43 @@
               <a:buNone/>
             </a:pPr>
             <a:r>
-              <a:rPr lang="en-US" dirty="0" smtClean="0">
+              <a:rPr lang="en-US" dirty="0">
                 <a:latin typeface="Berlin Sans FB" panose="020E0602020502020306" pitchFamily="34" charset="0"/>
               </a:rPr>
               <a:t>PRESENTED BY:</a:t>
+            </a:r>
+          </a:p>
+          <a:p>
+            <a:pPr marL="0" indent="0">
+              <a:buNone/>
+            </a:pPr>
+            <a:r>
+              <a:rPr lang="en-US" dirty="0">
+                <a:latin typeface="Berlin Sans FB" panose="020E0602020502020306" pitchFamily="34" charset="0"/>
+              </a:rPr>
+              <a:t>	DIPESH DEUJA</a:t>
+            </a:r>
+          </a:p>
+          <a:p>
+            <a:pPr marL="0" indent="0">
+              <a:buNone/>
+            </a:pPr>
+            <a:r>
+              <a:rPr lang="en-US" dirty="0">
+                <a:latin typeface="Berlin Sans FB" panose="020E0602020502020306" pitchFamily="34" charset="0"/>
+              </a:rPr>
+              <a:t>	KAREENA BADE</a:t>
+            </a:r>
+          </a:p>
+          <a:p>
+            <a:pPr marL="0" indent="0">
+              <a:buNone/>
+            </a:pPr>
+            <a:r>
+              <a:rPr lang="en-US" dirty="0">
+                <a:latin typeface="Berlin Sans FB" panose="020E0602020502020306" pitchFamily="34" charset="0"/>
+              </a:rPr>
+              <a:t>	SANAM SUWAL</a:t>
             </a:r>
           </a:p>
           <a:p>
@@ -6912,70 +6947,19 @@
               <a:t>	</a:t>
             </a:r>
             <a:r>
-              <a:rPr lang="en-US" dirty="0" smtClean="0">
+              <a:rPr lang="en-US" dirty="0" err="1">
                 <a:latin typeface="Berlin Sans FB" panose="020E0602020502020306" pitchFamily="34" charset="0"/>
               </a:rPr>
-              <a:t>DIPESH DEUJA</a:t>
-            </a:r>
-          </a:p>
-          <a:p>
-            <a:pPr marL="0" indent="0">
-              <a:buNone/>
-            </a:pPr>
+              <a:t>sujata</a:t>
+            </a:r>
             <a:r>
               <a:rPr lang="en-US" dirty="0">
                 <a:latin typeface="Berlin Sans FB" panose="020E0602020502020306" pitchFamily="34" charset="0"/>
               </a:rPr>
-              <a:t>	</a:t>
-            </a:r>
-            <a:r>
-              <a:rPr lang="en-US" dirty="0" smtClean="0">
-                <a:latin typeface="Berlin Sans FB" panose="020E0602020502020306" pitchFamily="34" charset="0"/>
-              </a:rPr>
-              <a:t>KAREENA BADE</a:t>
-            </a:r>
-          </a:p>
-          <a:p>
-            <a:pPr marL="0" indent="0">
-              <a:buNone/>
-            </a:pPr>
-            <a:r>
-              <a:rPr lang="en-US" dirty="0">
-                <a:latin typeface="Berlin Sans FB" panose="020E0602020502020306" pitchFamily="34" charset="0"/>
-              </a:rPr>
-              <a:t>	</a:t>
-            </a:r>
-            <a:r>
-              <a:rPr lang="en-US" dirty="0" smtClean="0">
-                <a:latin typeface="Berlin Sans FB" panose="020E0602020502020306" pitchFamily="34" charset="0"/>
-              </a:rPr>
-              <a:t>SANAM SUWAL</a:t>
-            </a:r>
-          </a:p>
-          <a:p>
-            <a:pPr marL="0" indent="0">
-              <a:buNone/>
-            </a:pPr>
-            <a:r>
-              <a:rPr lang="en-US" dirty="0">
-                <a:latin typeface="Berlin Sans FB" panose="020E0602020502020306" pitchFamily="34" charset="0"/>
-              </a:rPr>
-              <a:t>	</a:t>
-            </a:r>
-            <a:r>
-              <a:rPr lang="en-US" dirty="0" err="1" smtClean="0">
-                <a:latin typeface="Berlin Sans FB" panose="020E0602020502020306" pitchFamily="34" charset="0"/>
-              </a:rPr>
-              <a:t>sujata</a:t>
-            </a:r>
-            <a:r>
-              <a:rPr lang="en-US" dirty="0" smtClean="0">
-                <a:latin typeface="Berlin Sans FB" panose="020E0602020502020306" pitchFamily="34" charset="0"/>
-              </a:rPr>
               <a:t> </a:t>
             </a:r>
             <a:r>
-              <a:rPr lang="en-US" dirty="0" err="1" smtClean="0">
+              <a:rPr lang="en-US" dirty="0" err="1">
                 <a:latin typeface="Berlin Sans FB" panose="020E0602020502020306" pitchFamily="34" charset="0"/>
               </a:rPr>
               <a:t>shrestha</a:t>
@@ -7052,13 +7036,6 @@
   <p:clrMapOvr>
     <a:masterClrMapping/>
   </p:clrMapOvr>
-  <p:timing>
-    <p:tnLst>
-      <p:par>
-        <p:cTn id="1" dur="indefinite" restart="never" nodeType="tmRoot"/>
-      </p:par>
-    </p:tnLst>
-  </p:timing>
 </p:sld>
 </file>
 
@@ -7091,8 +7068,8 @@
         </p:nvSpPr>
         <p:spPr>
           <a:xfrm>
-            <a:off x="790945" y="300250"/>
-            <a:ext cx="10364451" cy="1146413"/>
+            <a:off x="913149" y="0"/>
+            <a:ext cx="10364451" cy="841793"/>
           </a:xfrm>
         </p:spPr>
         <p:txBody>
@@ -7102,108 +7079,43 @@
           <a:lstStyle/>
           <a:p>
             <a:r>
-              <a:rPr lang="en-US" dirty="0" smtClean="0">
+              <a:rPr lang="en-US" sz="2000" dirty="0">
                 <a:latin typeface="Bodoni MT Black" panose="02070A03080606020203" pitchFamily="18" charset="0"/>
               </a:rPr>
-              <a:t>Tools &amp; platform</a:t>
-            </a:r>
-            <a:endParaRPr lang="en-US" dirty="0">
-              <a:latin typeface="Bodoni MT Black" panose="02070A03080606020203" pitchFamily="18" charset="0"/>
-            </a:endParaRPr>
-          </a:p>
-        </p:txBody>
-      </p:sp>
-      <p:sp>
-        <p:nvSpPr>
-          <p:cNvPr id="3" name="Content Placeholder 2"/>
-          <p:cNvSpPr>
-            <a:spLocks noGrp="1"/>
-          </p:cNvSpPr>
+              <a:t>Use-case diagram</a:t>
+            </a:r>
+          </a:p>
+        </p:txBody>
+      </p:sp>
+      <p:pic>
+        <p:nvPicPr>
+          <p:cNvPr id="6" name="Content Placeholder 5"/>
+          <p:cNvPicPr>
+            <a:picLocks noGrp="1" noChangeAspect="1"/>
+          </p:cNvPicPr>
           <p:nvPr>
             <p:ph sz="quarter" idx="13"/>
           </p:nvPr>
-        </p:nvSpPr>
-        <p:spPr/>
-        <p:txBody>
-          <a:bodyPr/>
-          <a:lstStyle/>
-          <a:p>
-            <a:pPr>
-              <a:buFont typeface="Wingdings" panose="05000000000000000000" pitchFamily="2" charset="2"/>
-              <a:buChar char="Ø"/>
-            </a:pPr>
-            <a:r>
-              <a:rPr lang="en-US" dirty="0">
-                <a:latin typeface="Berlin Sans FB" panose="020E0602020502020306" pitchFamily="34" charset="0"/>
-              </a:rPr>
-              <a:t>VS Code IDE </a:t>
-            </a:r>
-            <a:endParaRPr lang="en-US" dirty="0" smtClean="0">
-              <a:latin typeface="Berlin Sans FB" panose="020E0602020502020306" pitchFamily="34" charset="0"/>
-            </a:endParaRPr>
-          </a:p>
-          <a:p>
-            <a:pPr>
-              <a:buFont typeface="Wingdings" panose="05000000000000000000" pitchFamily="2" charset="2"/>
-              <a:buChar char="Ø"/>
-            </a:pPr>
-            <a:r>
-              <a:rPr lang="en-US" dirty="0" smtClean="0">
-                <a:latin typeface="Berlin Sans FB" panose="020E0602020502020306" pitchFamily="34" charset="0"/>
-              </a:rPr>
-              <a:t>Flutter</a:t>
-            </a:r>
-          </a:p>
-          <a:p>
-            <a:pPr>
-              <a:buFont typeface="Wingdings" panose="05000000000000000000" pitchFamily="2" charset="2"/>
-              <a:buChar char="Ø"/>
-            </a:pPr>
-            <a:r>
-              <a:rPr lang="en-US" dirty="0" smtClean="0">
-                <a:latin typeface="Berlin Sans FB" panose="020E0602020502020306" pitchFamily="34" charset="0"/>
-              </a:rPr>
-              <a:t> </a:t>
-            </a:r>
-            <a:r>
-              <a:rPr lang="en-US" dirty="0">
-                <a:latin typeface="Berlin Sans FB" panose="020E0602020502020306" pitchFamily="34" charset="0"/>
-              </a:rPr>
-              <a:t>Android Studio </a:t>
-            </a:r>
-            <a:endParaRPr lang="en-US" dirty="0" smtClean="0">
-              <a:latin typeface="Berlin Sans FB" panose="020E0602020502020306" pitchFamily="34" charset="0"/>
-            </a:endParaRPr>
-          </a:p>
-          <a:p>
-            <a:pPr>
-              <a:buFont typeface="Wingdings" panose="05000000000000000000" pitchFamily="2" charset="2"/>
-              <a:buChar char="Ø"/>
-            </a:pPr>
-            <a:r>
-              <a:rPr lang="en-US" dirty="0" smtClean="0">
-                <a:latin typeface="Berlin Sans FB" panose="020E0602020502020306" pitchFamily="34" charset="0"/>
-              </a:rPr>
-              <a:t>Windows</a:t>
-            </a:r>
-          </a:p>
-          <a:p>
-            <a:pPr>
-              <a:buFont typeface="Wingdings" panose="05000000000000000000" pitchFamily="2" charset="2"/>
-              <a:buChar char="Ø"/>
-            </a:pPr>
-            <a:r>
-              <a:rPr lang="en-US" dirty="0" smtClean="0">
-                <a:latin typeface="Berlin Sans FB" panose="020E0602020502020306" pitchFamily="34" charset="0"/>
-              </a:rPr>
-              <a:t>Android device</a:t>
-            </a:r>
-            <a:endParaRPr lang="en-US" dirty="0">
-              <a:latin typeface="Berlin Sans FB" panose="020E0602020502020306" pitchFamily="34" charset="0"/>
-            </a:endParaRPr>
-          </a:p>
-        </p:txBody>
-      </p:sp>
+        </p:nvPicPr>
+        <p:blipFill>
+          <a:blip r:embed="rId2">
+            <a:extLst>
+              <a:ext uri="{28A0092B-C50C-407E-A947-70E740481C1C}">
+                <a14:useLocalDpi xmlns:a14="http://schemas.microsoft.com/office/drawing/2010/main" val="0"/>
+              </a:ext>
+            </a:extLst>
+          </a:blip>
+          <a:stretch>
+            <a:fillRect/>
+          </a:stretch>
+        </p:blipFill>
+        <p:spPr>
+          <a:xfrm>
+            <a:off x="2349305" y="841793"/>
+            <a:ext cx="6822830" cy="5638523"/>
+          </a:xfrm>
+        </p:spPr>
+      </p:pic>
       <p:sp>
         <p:nvSpPr>
           <p:cNvPr id="4" name="Date Placeholder 3"/>
@@ -7216,7 +7128,7 @@
         </p:nvSpPr>
         <p:spPr>
           <a:xfrm>
-            <a:off x="-1014887" y="6480317"/>
+            <a:off x="-1069477" y="6480316"/>
             <a:ext cx="2743200" cy="365125"/>
           </a:xfrm>
         </p:spPr>
@@ -7244,7 +7156,7 @@
         </p:nvSpPr>
         <p:spPr>
           <a:xfrm>
-            <a:off x="10773288" y="6480316"/>
+            <a:off x="10895492" y="6480317"/>
             <a:ext cx="764215" cy="365125"/>
           </a:xfrm>
         </p:spPr>
@@ -7263,20 +7175,13 @@
     </p:spTree>
     <p:extLst>
       <p:ext uri="{BB962C8B-B14F-4D97-AF65-F5344CB8AC3E}">
-        <p14:creationId xmlns:p14="http://schemas.microsoft.com/office/powerpoint/2010/main" val="3040806480"/>
+        <p14:creationId xmlns:p14="http://schemas.microsoft.com/office/powerpoint/2010/main" val="1754941452"/>
       </p:ext>
     </p:extLst>
   </p:cSld>
   <p:clrMapOvr>
     <a:masterClrMapping/>
   </p:clrMapOvr>
-  <p:timing>
-    <p:tnLst>
-      <p:par>
-        <p:cTn id="1" dur="indefinite" restart="never" nodeType="tmRoot"/>
-      </p:par>
-    </p:tnLst>
-  </p:timing>
 </p:sld>
 </file>
 
@@ -7307,20 +7212,24 @@
             <p:ph type="title"/>
           </p:nvPr>
         </p:nvSpPr>
-        <p:spPr/>
-        <p:txBody>
-          <a:bodyPr/>
-          <a:lstStyle/>
-          <a:p>
-            <a:r>
-              <a:rPr lang="en-US" dirty="0" smtClean="0">
+        <p:spPr>
+          <a:xfrm>
+            <a:off x="790945" y="300250"/>
+            <a:ext cx="10364451" cy="1146413"/>
+          </a:xfrm>
+        </p:spPr>
+        <p:txBody>
+          <a:bodyPr>
+            <a:normAutofit/>
+          </a:bodyPr>
+          <a:lstStyle/>
+          <a:p>
+            <a:r>
+              <a:rPr lang="en-US" dirty="0">
                 <a:latin typeface="Bodoni MT Black" panose="02070A03080606020203" pitchFamily="18" charset="0"/>
               </a:rPr>
-              <a:t>Expected result</a:t>
-            </a:r>
-            <a:endParaRPr lang="en-US" dirty="0">
-              <a:latin typeface="Bodoni MT Black" panose="02070A03080606020203" pitchFamily="18" charset="0"/>
-            </a:endParaRPr>
+              <a:t>Tools &amp; platform</a:t>
+            </a:r>
           </a:p>
         </p:txBody>
       </p:sp>
@@ -7334,16 +7243,9 @@
             <p:ph sz="quarter" idx="13"/>
           </p:nvPr>
         </p:nvSpPr>
-        <p:spPr>
-          <a:xfrm>
-            <a:off x="913774" y="1937982"/>
-            <a:ext cx="10363826" cy="3853217"/>
-          </a:xfrm>
-        </p:spPr>
-        <p:txBody>
-          <a:bodyPr>
-            <a:normAutofit fontScale="85000" lnSpcReduction="20000"/>
-          </a:bodyPr>
+        <p:spPr/>
+        <p:txBody>
+          <a:bodyPr/>
           <a:lstStyle/>
           <a:p>
             <a:pPr>
@@ -7351,16 +7253,10 @@
               <a:buChar char="Ø"/>
             </a:pPr>
             <a:r>
-              <a:rPr lang="en-GB" dirty="0">
+              <a:rPr lang="en-US" dirty="0">
                 <a:latin typeface="Berlin Sans FB" panose="020E0602020502020306" pitchFamily="34" charset="0"/>
               </a:rPr>
-              <a:t>E-Blood Bank will be able to notify the users as per their role in our </a:t>
-            </a:r>
-            <a:r>
-              <a:rPr lang="en-GB" dirty="0" smtClean="0">
-                <a:latin typeface="Berlin Sans FB" panose="020E0602020502020306" pitchFamily="34" charset="0"/>
-              </a:rPr>
-              <a:t>system</a:t>
+              <a:t>VS Code IDE </a:t>
             </a:r>
           </a:p>
           <a:p>
@@ -7369,22 +7265,10 @@
               <a:buChar char="Ø"/>
             </a:pPr>
             <a:r>
-              <a:rPr lang="en-GB" dirty="0" smtClean="0">
+              <a:rPr lang="en-US" dirty="0">
                 <a:latin typeface="Berlin Sans FB" panose="020E0602020502020306" pitchFamily="34" charset="0"/>
               </a:rPr>
-              <a:t>When </a:t>
-            </a:r>
-            <a:r>
-              <a:rPr lang="en-GB" dirty="0">
-                <a:latin typeface="Berlin Sans FB" panose="020E0602020502020306" pitchFamily="34" charset="0"/>
-              </a:rPr>
-              <a:t>there is any need of blood for recipient, he/she will press an emergency button for the demand of the blood mentioning a blood group and </a:t>
-            </a:r>
-            <a:r>
-              <a:rPr lang="en-GB" dirty="0" smtClean="0">
-                <a:latin typeface="Berlin Sans FB" panose="020E0602020502020306" pitchFamily="34" charset="0"/>
-              </a:rPr>
-              <a:t>place</a:t>
+              <a:t>Flutter</a:t>
             </a:r>
           </a:p>
           <a:p>
@@ -7393,22 +7277,10 @@
               <a:buChar char="Ø"/>
             </a:pPr>
             <a:r>
-              <a:rPr lang="en-GB" dirty="0" smtClean="0">
+              <a:rPr lang="en-US" dirty="0">
                 <a:latin typeface="Berlin Sans FB" panose="020E0602020502020306" pitchFamily="34" charset="0"/>
               </a:rPr>
-              <a:t> </a:t>
-            </a:r>
-            <a:r>
-              <a:rPr lang="en-GB" dirty="0">
-                <a:latin typeface="Berlin Sans FB" panose="020E0602020502020306" pitchFamily="34" charset="0"/>
-              </a:rPr>
-              <a:t>Then our system will scan the donors registered in the app near the </a:t>
-            </a:r>
-            <a:r>
-              <a:rPr lang="en-GB" dirty="0" smtClean="0">
-                <a:latin typeface="Berlin Sans FB" panose="020E0602020502020306" pitchFamily="34" charset="0"/>
-              </a:rPr>
-              <a:t>area.</a:t>
+              <a:t> Android Studio </a:t>
             </a:r>
           </a:p>
           <a:p>
@@ -7417,22 +7289,10 @@
               <a:buChar char="Ø"/>
             </a:pPr>
             <a:r>
-              <a:rPr lang="en-GB" dirty="0" smtClean="0">
+              <a:rPr lang="en-US" dirty="0">
                 <a:latin typeface="Berlin Sans FB" panose="020E0602020502020306" pitchFamily="34" charset="0"/>
               </a:rPr>
-              <a:t>The </a:t>
-            </a:r>
-            <a:r>
-              <a:rPr lang="en-GB" dirty="0">
-                <a:latin typeface="Berlin Sans FB" panose="020E0602020502020306" pitchFamily="34" charset="0"/>
-              </a:rPr>
-              <a:t>donor that would take least time to reach the blood seeker will be prioritized first which will be calculated by our </a:t>
-            </a:r>
-            <a:r>
-              <a:rPr lang="en-GB" dirty="0" smtClean="0">
-                <a:latin typeface="Berlin Sans FB" panose="020E0602020502020306" pitchFamily="34" charset="0"/>
-              </a:rPr>
-              <a:t>system</a:t>
+              <a:t>Windows</a:t>
             </a:r>
           </a:p>
           <a:p>
@@ -7441,51 +7301,11 @@
               <a:buChar char="Ø"/>
             </a:pPr>
             <a:r>
-              <a:rPr lang="en-GB" dirty="0" smtClean="0">
+              <a:rPr lang="en-US" dirty="0">
                 <a:latin typeface="Berlin Sans FB" panose="020E0602020502020306" pitchFamily="34" charset="0"/>
               </a:rPr>
-              <a:t>Available </a:t>
-            </a:r>
-            <a:r>
-              <a:rPr lang="en-GB" dirty="0">
-                <a:latin typeface="Berlin Sans FB" panose="020E0602020502020306" pitchFamily="34" charset="0"/>
-              </a:rPr>
-              <a:t>possible donors residing nearby locations will be notified via alert buzzer in app or SMS if required and the location information through GPS system will be </a:t>
-            </a:r>
-            <a:r>
-              <a:rPr lang="en-GB" dirty="0" smtClean="0">
-                <a:latin typeface="Berlin Sans FB" panose="020E0602020502020306" pitchFamily="34" charset="0"/>
-              </a:rPr>
-              <a:t>provided</a:t>
-            </a:r>
-          </a:p>
-          <a:p>
-            <a:pPr>
-              <a:buFont typeface="Wingdings" panose="05000000000000000000" pitchFamily="2" charset="2"/>
-              <a:buChar char="Ø"/>
-            </a:pPr>
-            <a:r>
-              <a:rPr lang="en-GB" dirty="0" smtClean="0">
-                <a:latin typeface="Berlin Sans FB" panose="020E0602020502020306" pitchFamily="34" charset="0"/>
-              </a:rPr>
-              <a:t>Our </a:t>
-            </a:r>
-            <a:r>
-              <a:rPr lang="en-GB" dirty="0">
-                <a:latin typeface="Berlin Sans FB" panose="020E0602020502020306" pitchFamily="34" charset="0"/>
-              </a:rPr>
-              <a:t>system will also notify our users about the upcoming or ongoing related campaigns as </a:t>
-            </a:r>
-            <a:r>
-              <a:rPr lang="en-GB" dirty="0" smtClean="0">
-                <a:latin typeface="Berlin Sans FB" panose="020E0602020502020306" pitchFamily="34" charset="0"/>
-              </a:rPr>
-              <a:t>well</a:t>
-            </a:r>
-            <a:endParaRPr lang="en-US" dirty="0">
-              <a:latin typeface="Berlin Sans FB" panose="020E0602020502020306" pitchFamily="34" charset="0"/>
-              <a:cs typeface="Arial" panose="020B0604020202020204" pitchFamily="34" charset="0"/>
-            </a:endParaRPr>
+              <a:t>Android device</a:t>
+            </a:r>
           </a:p>
         </p:txBody>
       </p:sp>
@@ -7501,7 +7321,7 @@
         </p:nvSpPr>
         <p:spPr>
           <a:xfrm>
-            <a:off x="-1057490" y="6365188"/>
+            <a:off x="-1014887" y="6480317"/>
             <a:ext cx="2743200" cy="365125"/>
           </a:xfrm>
         </p:spPr>
@@ -7529,7 +7349,7 @@
         </p:nvSpPr>
         <p:spPr>
           <a:xfrm>
-            <a:off x="10995925" y="6365188"/>
+            <a:off x="10773288" y="6480316"/>
             <a:ext cx="764215" cy="365125"/>
           </a:xfrm>
         </p:spPr>
@@ -7548,20 +7368,13 @@
     </p:spTree>
     <p:extLst>
       <p:ext uri="{BB962C8B-B14F-4D97-AF65-F5344CB8AC3E}">
-        <p14:creationId xmlns:p14="http://schemas.microsoft.com/office/powerpoint/2010/main" val="3222373833"/>
+        <p14:creationId xmlns:p14="http://schemas.microsoft.com/office/powerpoint/2010/main" val="3040806480"/>
       </p:ext>
     </p:extLst>
   </p:cSld>
   <p:clrMapOvr>
     <a:masterClrMapping/>
   </p:clrMapOvr>
-  <p:timing>
-    <p:tnLst>
-      <p:par>
-        <p:cTn id="1" dur="indefinite" restart="never" nodeType="tmRoot"/>
-      </p:par>
-    </p:tnLst>
-  </p:timing>
 </p:sld>
 </file>
 
@@ -7592,6 +7405,215 @@
             <p:ph type="title"/>
           </p:nvPr>
         </p:nvSpPr>
+        <p:spPr/>
+        <p:txBody>
+          <a:bodyPr/>
+          <a:lstStyle/>
+          <a:p>
+            <a:r>
+              <a:rPr lang="en-US" dirty="0">
+                <a:latin typeface="Bodoni MT Black" panose="02070A03080606020203" pitchFamily="18" charset="0"/>
+              </a:rPr>
+              <a:t>Expected result</a:t>
+            </a:r>
+          </a:p>
+        </p:txBody>
+      </p:sp>
+      <p:sp>
+        <p:nvSpPr>
+          <p:cNvPr id="3" name="Content Placeholder 2"/>
+          <p:cNvSpPr>
+            <a:spLocks noGrp="1"/>
+          </p:cNvSpPr>
+          <p:nvPr>
+            <p:ph sz="quarter" idx="13"/>
+          </p:nvPr>
+        </p:nvSpPr>
+        <p:spPr>
+          <a:xfrm>
+            <a:off x="913774" y="1937982"/>
+            <a:ext cx="10363826" cy="3853217"/>
+          </a:xfrm>
+        </p:spPr>
+        <p:txBody>
+          <a:bodyPr>
+            <a:normAutofit fontScale="85000" lnSpcReduction="10000"/>
+          </a:bodyPr>
+          <a:lstStyle/>
+          <a:p>
+            <a:pPr>
+              <a:buFont typeface="Wingdings" panose="05000000000000000000" pitchFamily="2" charset="2"/>
+              <a:buChar char="Ø"/>
+            </a:pPr>
+            <a:r>
+              <a:rPr lang="en-GB" dirty="0">
+                <a:latin typeface="Berlin Sans FB" panose="020E0602020502020306" pitchFamily="34" charset="0"/>
+              </a:rPr>
+              <a:t>E-Blood Bank will be able to notify the users as per their role in our system</a:t>
+            </a:r>
+          </a:p>
+          <a:p>
+            <a:pPr>
+              <a:buFont typeface="Wingdings" panose="05000000000000000000" pitchFamily="2" charset="2"/>
+              <a:buChar char="Ø"/>
+            </a:pPr>
+            <a:r>
+              <a:rPr lang="en-GB" dirty="0">
+                <a:latin typeface="Berlin Sans FB" panose="020E0602020502020306" pitchFamily="34" charset="0"/>
+              </a:rPr>
+              <a:t>When there is any need of blood for recipient, he/she will press an emergency button for the demand of the blood mentioning a blood group and place</a:t>
+            </a:r>
+          </a:p>
+          <a:p>
+            <a:pPr>
+              <a:buFont typeface="Wingdings" panose="05000000000000000000" pitchFamily="2" charset="2"/>
+              <a:buChar char="Ø"/>
+            </a:pPr>
+            <a:r>
+              <a:rPr lang="en-GB" dirty="0">
+                <a:latin typeface="Berlin Sans FB" panose="020E0602020502020306" pitchFamily="34" charset="0"/>
+              </a:rPr>
+              <a:t> Then our system will scan the donors registered in the app near the area.</a:t>
+            </a:r>
+          </a:p>
+          <a:p>
+            <a:pPr>
+              <a:buFont typeface="Wingdings" panose="05000000000000000000" pitchFamily="2" charset="2"/>
+              <a:buChar char="Ø"/>
+            </a:pPr>
+            <a:r>
+              <a:rPr lang="en-GB" dirty="0">
+                <a:latin typeface="Berlin Sans FB" panose="020E0602020502020306" pitchFamily="34" charset="0"/>
+              </a:rPr>
+              <a:t>The donor that would take least time to reach the blood seeker will be prioritized first which will be calculated by our system</a:t>
+            </a:r>
+          </a:p>
+          <a:p>
+            <a:pPr>
+              <a:buFont typeface="Wingdings" panose="05000000000000000000" pitchFamily="2" charset="2"/>
+              <a:buChar char="Ø"/>
+            </a:pPr>
+            <a:r>
+              <a:rPr lang="en-GB" dirty="0">
+                <a:latin typeface="Berlin Sans FB" panose="020E0602020502020306" pitchFamily="34" charset="0"/>
+              </a:rPr>
+              <a:t>Available possible donors residing nearby locations will be notified via alert buzzer in app or SMS if required and the location information through GPS system will be provided</a:t>
+            </a:r>
+          </a:p>
+          <a:p>
+            <a:pPr>
+              <a:buFont typeface="Wingdings" panose="05000000000000000000" pitchFamily="2" charset="2"/>
+              <a:buChar char="Ø"/>
+            </a:pPr>
+            <a:r>
+              <a:rPr lang="en-GB" dirty="0">
+                <a:latin typeface="Berlin Sans FB" panose="020E0602020502020306" pitchFamily="34" charset="0"/>
+              </a:rPr>
+              <a:t>Our system will also notify our users about the upcoming or ongoing related campaigns as well</a:t>
+            </a:r>
+            <a:endParaRPr lang="en-US" dirty="0">
+              <a:latin typeface="Berlin Sans FB" panose="020E0602020502020306" pitchFamily="34" charset="0"/>
+              <a:cs typeface="Arial" panose="020B0604020202020204" pitchFamily="34" charset="0"/>
+            </a:endParaRPr>
+          </a:p>
+        </p:txBody>
+      </p:sp>
+      <p:sp>
+        <p:nvSpPr>
+          <p:cNvPr id="4" name="Date Placeholder 3"/>
+          <p:cNvSpPr>
+            <a:spLocks noGrp="1"/>
+          </p:cNvSpPr>
+          <p:nvPr>
+            <p:ph type="dt" sz="half" idx="10"/>
+          </p:nvPr>
+        </p:nvSpPr>
+        <p:spPr>
+          <a:xfrm>
+            <a:off x="-1057490" y="6365188"/>
+            <a:ext cx="2743200" cy="365125"/>
+          </a:xfrm>
+        </p:spPr>
+        <p:txBody>
+          <a:bodyPr/>
+          <a:lstStyle/>
+          <a:p>
+            <a:fld id="{9A8784F4-644A-47F3-8F4A-7ED29E9976DE}" type="datetime1">
+              <a:rPr lang="en-US" sz="2000" smtClean="0"/>
+              <a:t>12/13/2020</a:t>
+            </a:fld>
+            <a:endParaRPr lang="en-US" sz="2000" dirty="0"/>
+          </a:p>
+        </p:txBody>
+      </p:sp>
+      <p:sp>
+        <p:nvSpPr>
+          <p:cNvPr id="5" name="Slide Number Placeholder 4"/>
+          <p:cNvSpPr>
+            <a:spLocks noGrp="1"/>
+          </p:cNvSpPr>
+          <p:nvPr>
+            <p:ph type="sldNum" sz="quarter" idx="12"/>
+          </p:nvPr>
+        </p:nvSpPr>
+        <p:spPr>
+          <a:xfrm>
+            <a:off x="10995925" y="6365188"/>
+            <a:ext cx="764215" cy="365125"/>
+          </a:xfrm>
+        </p:spPr>
+        <p:txBody>
+          <a:bodyPr/>
+          <a:lstStyle/>
+          <a:p>
+            <a:fld id="{E60BBF07-671A-46E4-8281-EB1480A5D8C2}" type="slidenum">
+              <a:rPr lang="en-US" sz="2000" smtClean="0"/>
+              <a:t>12</a:t>
+            </a:fld>
+            <a:endParaRPr lang="en-US" sz="2000" dirty="0"/>
+          </a:p>
+        </p:txBody>
+      </p:sp>
+    </p:spTree>
+    <p:extLst>
+      <p:ext uri="{BB962C8B-B14F-4D97-AF65-F5344CB8AC3E}">
+        <p14:creationId xmlns:p14="http://schemas.microsoft.com/office/powerpoint/2010/main" val="3222373833"/>
+      </p:ext>
+    </p:extLst>
+  </p:cSld>
+  <p:clrMapOvr>
+    <a:masterClrMapping/>
+  </p:clrMapOvr>
+</p:sld>
+</file>
+
+<file path=ppt/slides/slide13.xml><?xml version="1.0" encoding="utf-8"?>
+<p:sld xmlns:a="http://schemas.openxmlformats.org/drawingml/2006/main" xmlns:r="http://schemas.openxmlformats.org/officeDocument/2006/relationships" xmlns:p="http://schemas.openxmlformats.org/presentationml/2006/main">
+  <p:cSld>
+    <p:spTree>
+      <p:nvGrpSpPr>
+        <p:cNvPr id="1" name=""/>
+        <p:cNvGrpSpPr/>
+        <p:nvPr/>
+      </p:nvGrpSpPr>
+      <p:grpSpPr>
+        <a:xfrm>
+          <a:off x="0" y="0"/>
+          <a:ext cx="0" cy="0"/>
+          <a:chOff x="0" y="0"/>
+          <a:chExt cx="0" cy="0"/>
+        </a:xfrm>
+      </p:grpSpPr>
+      <p:sp>
+        <p:nvSpPr>
+          <p:cNvPr id="2" name="Title 1"/>
+          <p:cNvSpPr>
+            <a:spLocks noGrp="1"/>
+          </p:cNvSpPr>
+          <p:nvPr>
+            <p:ph type="title"/>
+          </p:nvPr>
+        </p:nvSpPr>
         <p:spPr>
           <a:xfrm>
             <a:off x="963201" y="2224217"/>
@@ -7605,14 +7627,11 @@
           <a:lstStyle/>
           <a:p>
             <a:r>
-              <a:rPr lang="en-US" sz="6000" dirty="0" smtClean="0">
+              <a:rPr lang="en-US" sz="6000" dirty="0">
                 <a:latin typeface="Bodoni MT Black" panose="02070A03080606020203" pitchFamily="18" charset="0"/>
               </a:rPr>
               <a:t>Thank you!!!</a:t>
             </a:r>
-            <a:endParaRPr lang="en-US" sz="6000" dirty="0">
-              <a:latin typeface="Bodoni MT Black" panose="02070A03080606020203" pitchFamily="18" charset="0"/>
-            </a:endParaRPr>
           </a:p>
         </p:txBody>
       </p:sp>
@@ -7626,13 +7645,6 @@
   <p:clrMapOvr>
     <a:masterClrMapping/>
   </p:clrMapOvr>
-  <p:timing>
-    <p:tnLst>
-      <p:par>
-        <p:cTn id="1" dur="indefinite" restart="never" nodeType="tmRoot"/>
-      </p:par>
-    </p:tnLst>
-  </p:timing>
 </p:sld>
 </file>
 
@@ -7676,14 +7688,11 @@
           <a:lstStyle/>
           <a:p>
             <a:r>
-              <a:rPr lang="en-US" sz="4000" dirty="0" smtClean="0">
+              <a:rPr lang="en-US" sz="4000" dirty="0">
                 <a:latin typeface="Bodoni MT Black" panose="02070A03080606020203" pitchFamily="18" charset="0"/>
               </a:rPr>
               <a:t>CONTENTS</a:t>
             </a:r>
-            <a:endParaRPr lang="en-US" sz="4000" dirty="0">
-              <a:latin typeface="Bodoni MT Black" panose="02070A03080606020203" pitchFamily="18" charset="0"/>
-            </a:endParaRPr>
           </a:p>
         </p:txBody>
       </p:sp>
@@ -7714,7 +7723,7 @@
               <a:buAutoNum type="arabicPeriod"/>
             </a:pPr>
             <a:r>
-              <a:rPr lang="en-US" sz="3200" dirty="0" smtClean="0">
+              <a:rPr lang="en-US" sz="3200" dirty="0">
                 <a:latin typeface="Berlin Sans FB" panose="020E0602020502020306" pitchFamily="34" charset="0"/>
               </a:rPr>
               <a:t>Introduction</a:t>
@@ -7726,7 +7735,7 @@
               <a:buAutoNum type="arabicPeriod"/>
             </a:pPr>
             <a:r>
-              <a:rPr lang="en-US" sz="3200" dirty="0" smtClean="0">
+              <a:rPr lang="en-US" sz="3200" dirty="0">
                 <a:latin typeface="Berlin Sans FB" panose="020E0602020502020306" pitchFamily="34" charset="0"/>
               </a:rPr>
               <a:t>Objective</a:t>
@@ -7738,7 +7747,7 @@
               <a:buAutoNum type="arabicPeriod"/>
             </a:pPr>
             <a:r>
-              <a:rPr lang="en-US" sz="3200" dirty="0" smtClean="0">
+              <a:rPr lang="en-US" sz="3200" dirty="0">
                 <a:latin typeface="Berlin Sans FB" panose="020E0602020502020306" pitchFamily="34" charset="0"/>
               </a:rPr>
               <a:t>Scope</a:t>
@@ -7750,7 +7759,7 @@
               <a:buAutoNum type="arabicPeriod"/>
             </a:pPr>
             <a:r>
-              <a:rPr lang="en-US" sz="3200" dirty="0" smtClean="0">
+              <a:rPr lang="en-US" sz="3200" dirty="0">
                 <a:latin typeface="Berlin Sans FB" panose="020E0602020502020306" pitchFamily="34" charset="0"/>
               </a:rPr>
               <a:t>Literature review</a:t>
@@ -7762,34 +7771,10 @@
               <a:buAutoNum type="arabicPeriod"/>
             </a:pPr>
             <a:r>
-              <a:rPr lang="en-US" sz="3200" dirty="0" smtClean="0">
-                <a:latin typeface="Berlin Sans FB" panose="020E0602020502020306" pitchFamily="34" charset="0"/>
-              </a:rPr>
-              <a:t>Methodology [</a:t>
-            </a:r>
-            <a:r>
               <a:rPr lang="en-US" sz="3200" dirty="0">
                 <a:latin typeface="Berlin Sans FB" panose="020E0602020502020306" pitchFamily="34" charset="0"/>
               </a:rPr>
-              <a:t>context </a:t>
-            </a:r>
-            <a:r>
-              <a:rPr lang="en-US" sz="3200" dirty="0" smtClean="0">
-                <a:latin typeface="Berlin Sans FB" panose="020E0602020502020306" pitchFamily="34" charset="0"/>
-              </a:rPr>
-              <a:t>diagram, use-case diagram, tools </a:t>
-            </a:r>
-            <a:r>
-              <a:rPr lang="en-US" sz="3200" dirty="0">
-                <a:latin typeface="Berlin Sans FB" panose="020E0602020502020306" pitchFamily="34" charset="0"/>
-              </a:rPr>
-              <a:t>and </a:t>
-            </a:r>
-            <a:r>
-              <a:rPr lang="en-US" sz="3200" dirty="0" smtClean="0">
-                <a:latin typeface="Berlin Sans FB" panose="020E0602020502020306" pitchFamily="34" charset="0"/>
-              </a:rPr>
-              <a:t>platform]</a:t>
+              <a:t>Methodology [context diagram, use-case diagram, tools and platform]</a:t>
             </a:r>
           </a:p>
           <a:p>
@@ -7798,14 +7783,11 @@
               <a:buAutoNum type="arabicPeriod"/>
             </a:pPr>
             <a:r>
-              <a:rPr lang="en-US" sz="3200" dirty="0" smtClean="0">
+              <a:rPr lang="en-US" sz="3200" dirty="0">
                 <a:latin typeface="Berlin Sans FB" panose="020E0602020502020306" pitchFamily="34" charset="0"/>
               </a:rPr>
               <a:t>Expected result</a:t>
             </a:r>
-            <a:endParaRPr lang="en-US" sz="3200" dirty="0">
-              <a:latin typeface="Berlin Sans FB" panose="020E0602020502020306" pitchFamily="34" charset="0"/>
-            </a:endParaRPr>
           </a:p>
         </p:txBody>
       </p:sp>
@@ -7875,13 +7857,6 @@
   <p:clrMapOvr>
     <a:masterClrMapping/>
   </p:clrMapOvr>
-  <p:timing>
-    <p:tnLst>
-      <p:par>
-        <p:cTn id="1" dur="indefinite" restart="never" nodeType="tmRoot"/>
-      </p:par>
-    </p:tnLst>
-  </p:timing>
 </p:sld>
 </file>
 
@@ -7925,14 +7900,11 @@
           <a:lstStyle/>
           <a:p>
             <a:r>
-              <a:rPr lang="en-US" sz="4000" dirty="0" smtClean="0">
+              <a:rPr lang="en-US" sz="4000" dirty="0">
                 <a:latin typeface="Bodoni MT Black" panose="02070A03080606020203" pitchFamily="18" charset="0"/>
               </a:rPr>
               <a:t>introduction</a:t>
             </a:r>
-            <a:endParaRPr lang="en-US" sz="4000" dirty="0">
-              <a:latin typeface="Bodoni MT Black" panose="02070A03080606020203" pitchFamily="18" charset="0"/>
-            </a:endParaRPr>
           </a:p>
         </p:txBody>
       </p:sp>
@@ -7966,13 +7938,7 @@
               <a:rPr lang="en-US" dirty="0">
                 <a:latin typeface="Berlin Sans FB" panose="020E0602020502020306" pitchFamily="34" charset="0"/>
               </a:rPr>
-              <a:t> </a:t>
-            </a:r>
-            <a:r>
-              <a:rPr lang="en-US" dirty="0" smtClean="0">
-                <a:latin typeface="Berlin Sans FB" panose="020E0602020502020306" pitchFamily="34" charset="0"/>
-              </a:rPr>
-              <a:t>background</a:t>
+              <a:t> background</a:t>
             </a:r>
           </a:p>
           <a:p>
@@ -7981,7 +7947,7 @@
               <a:buChar char="Ø"/>
             </a:pPr>
             <a:r>
-              <a:rPr lang="en-US" dirty="0" smtClean="0">
+              <a:rPr lang="en-US" dirty="0">
                 <a:latin typeface="Berlin Sans FB" panose="020E0602020502020306" pitchFamily="34" charset="0"/>
               </a:rPr>
               <a:t> Idea behind the title</a:t>
@@ -7993,22 +7959,10 @@
               <a:buChar char="Ø"/>
             </a:pPr>
             <a:r>
-              <a:rPr lang="en-GB" dirty="0" smtClean="0">
-                <a:latin typeface="Berlin Sans FB" panose="020E0602020502020306" pitchFamily="34" charset="0"/>
-              </a:rPr>
-              <a:t> an </a:t>
-            </a:r>
-            <a:r>
               <a:rPr lang="en-GB" dirty="0">
                 <a:latin typeface="Berlin Sans FB" panose="020E0602020502020306" pitchFamily="34" charset="0"/>
               </a:rPr>
-              <a:t>Android application that allows the users to search and notify donors of specific blood group based on their location, in a short period of </a:t>
-            </a:r>
-            <a:r>
-              <a:rPr lang="en-GB" dirty="0" smtClean="0">
-                <a:latin typeface="Berlin Sans FB" panose="020E0602020502020306" pitchFamily="34" charset="0"/>
-              </a:rPr>
-              <a:t>time.</a:t>
+              <a:t> an Android application that allows the users to search and notify donors of specific blood group based on their location, in a short period of time.</a:t>
             </a:r>
           </a:p>
           <a:p>
@@ -8017,26 +7971,11 @@
               <a:buChar char="Ø"/>
             </a:pPr>
             <a:r>
-              <a:rPr lang="en-GB" dirty="0" smtClean="0">
-                <a:latin typeface="Berlin Sans FB" panose="020E0602020502020306" pitchFamily="34" charset="0"/>
-              </a:rPr>
-              <a:t> not </a:t>
-            </a:r>
-            <a:r>
               <a:rPr lang="en-GB" dirty="0">
                 <a:latin typeface="Berlin Sans FB" panose="020E0602020502020306" pitchFamily="34" charset="0"/>
               </a:rPr>
-              <a:t>only display the list of donors but also facilitated with tracking the location of the nearby </a:t>
-            </a:r>
-            <a:r>
-              <a:rPr lang="en-GB" dirty="0" smtClean="0">
-                <a:latin typeface="Berlin Sans FB" panose="020E0602020502020306" pitchFamily="34" charset="0"/>
-              </a:rPr>
-              <a:t>donors through global positioning system </a:t>
-            </a:r>
-            <a:endParaRPr lang="en-GB" dirty="0">
-              <a:latin typeface="Berlin Sans FB" panose="020E0602020502020306" pitchFamily="34" charset="0"/>
-            </a:endParaRPr>
+              <a:t> not only display the list of donors but also facilitated with tracking the location of the nearby donors through global positioning system </a:t>
+            </a:r>
           </a:p>
           <a:p>
             <a:pPr>
@@ -8044,19 +7983,19 @@
               <a:buChar char="Ø"/>
             </a:pPr>
             <a:r>
-              <a:rPr lang="en-GB" dirty="0" smtClean="0">
+              <a:rPr lang="en-GB" dirty="0">
                 <a:latin typeface="Berlin Sans FB" panose="020E0602020502020306" pitchFamily="34" charset="0"/>
               </a:rPr>
               <a:t>notify the donors via the alert buzzer in mobile app or the </a:t>
             </a:r>
             <a:r>
-              <a:rPr lang="en-GB" dirty="0" err="1" smtClean="0">
+              <a:rPr lang="en-GB" dirty="0" err="1">
                 <a:latin typeface="Berlin Sans FB" panose="020E0602020502020306" pitchFamily="34" charset="0"/>
               </a:rPr>
               <a:t>sms</a:t>
             </a:r>
             <a:r>
-              <a:rPr lang="en-GB" dirty="0" smtClean="0">
+              <a:rPr lang="en-GB" dirty="0">
                 <a:latin typeface="Berlin Sans FB" panose="020E0602020502020306" pitchFamily="34" charset="0"/>
               </a:rPr>
               <a:t> if required </a:t>
@@ -8138,13 +8077,6 @@
   <p:clrMapOvr>
     <a:masterClrMapping/>
   </p:clrMapOvr>
-  <p:timing>
-    <p:tnLst>
-      <p:par>
-        <p:cTn id="1" dur="indefinite" restart="never" nodeType="tmRoot"/>
-      </p:par>
-    </p:tnLst>
-  </p:timing>
 </p:sld>
 </file>
 
@@ -8188,14 +8120,11 @@
           <a:lstStyle/>
           <a:p>
             <a:r>
-              <a:rPr lang="en-US" sz="4000" dirty="0" smtClean="0">
+              <a:rPr lang="en-US" sz="4000" dirty="0">
                 <a:latin typeface="Bodoni MT Black" panose="02070A03080606020203" pitchFamily="18" charset="0"/>
               </a:rPr>
               <a:t>objective</a:t>
             </a:r>
-            <a:endParaRPr lang="en-US" sz="4000" dirty="0">
-              <a:latin typeface="Bodoni MT Black" panose="02070A03080606020203" pitchFamily="18" charset="0"/>
-            </a:endParaRPr>
           </a:p>
         </p:txBody>
       </p:sp>
@@ -8226,28 +8155,10 @@
               <a:buChar char="Ø"/>
             </a:pPr>
             <a:r>
-              <a:rPr lang="en-GB" sz="2800" dirty="0" smtClean="0">
-                <a:latin typeface="Berlin Sans FB" panose="020E0602020502020306" pitchFamily="34" charset="0"/>
-              </a:rPr>
-              <a:t> To </a:t>
-            </a:r>
-            <a:r>
               <a:rPr lang="en-GB" sz="2800" dirty="0">
                 <a:latin typeface="Berlin Sans FB" panose="020E0602020502020306" pitchFamily="34" charset="0"/>
               </a:rPr>
-              <a:t>bridge the communication/information gap between blood banks, hospitals, </a:t>
-            </a:r>
-            <a:r>
-              <a:rPr lang="en-GB" sz="2800" dirty="0" smtClean="0">
-                <a:latin typeface="Berlin Sans FB" panose="020E0602020502020306" pitchFamily="34" charset="0"/>
-              </a:rPr>
-              <a:t> donors </a:t>
-            </a:r>
-            <a:r>
-              <a:rPr lang="en-GB" sz="2800" dirty="0">
-                <a:latin typeface="Berlin Sans FB" panose="020E0602020502020306" pitchFamily="34" charset="0"/>
-              </a:rPr>
-              <a:t>and needy people using android user interface and GPS tracking service</a:t>
+              <a:t> To bridge the communication/information gap between blood banks, hospitals,  donors and needy people using android user interface and GPS tracking service</a:t>
             </a:r>
             <a:endParaRPr lang="en-US" sz="2800" dirty="0">
               <a:latin typeface="Berlin Sans FB" panose="020E0602020502020306" pitchFamily="34" charset="0"/>
@@ -8321,13 +8232,6 @@
   <p:clrMapOvr>
     <a:masterClrMapping/>
   </p:clrMapOvr>
-  <p:timing>
-    <p:tnLst>
-      <p:par>
-        <p:cTn id="1" dur="indefinite" restart="never" nodeType="tmRoot"/>
-      </p:par>
-    </p:tnLst>
-  </p:timing>
 </p:sld>
 </file>
 
@@ -8371,14 +8275,11 @@
           <a:lstStyle/>
           <a:p>
             <a:r>
-              <a:rPr lang="en-US" sz="4000" dirty="0" smtClean="0">
+              <a:rPr lang="en-US" sz="4000" dirty="0">
                 <a:latin typeface="Bodoni MT Black" panose="02070A03080606020203" pitchFamily="18" charset="0"/>
               </a:rPr>
               <a:t>scope</a:t>
             </a:r>
-            <a:endParaRPr lang="en-US" sz="4000" dirty="0">
-              <a:latin typeface="Bodoni MT Black" panose="02070A03080606020203" pitchFamily="18" charset="0"/>
-            </a:endParaRPr>
           </a:p>
         </p:txBody>
       </p:sp>
@@ -8414,9 +8315,6 @@
               </a:rPr>
               <a:t>Real-time availability of donor as per blood group. </a:t>
             </a:r>
-            <a:endParaRPr lang="en-GB" sz="2400" dirty="0" smtClean="0">
-              <a:latin typeface="Berlin Sans FB" panose="020E0602020502020306" pitchFamily="34" charset="0"/>
-            </a:endParaRPr>
           </a:p>
           <a:p>
             <a:pPr>
@@ -8424,32 +8322,11 @@
               <a:buChar char="Ø"/>
             </a:pPr>
             <a:r>
-              <a:rPr lang="en-GB" sz="2400" dirty="0" smtClean="0">
-                <a:latin typeface="Berlin Sans FB" panose="020E0602020502020306" pitchFamily="34" charset="0"/>
-              </a:rPr>
-              <a:t> </a:t>
-            </a:r>
-            <a:r>
               <a:rPr lang="en-GB" sz="2400" dirty="0">
                 <a:latin typeface="Berlin Sans FB" panose="020E0602020502020306" pitchFamily="34" charset="0"/>
               </a:rPr>
-              <a:t>Willing person can donate where needed which </a:t>
-            </a:r>
-            <a:r>
-              <a:rPr lang="en-GB" sz="2400" dirty="0" smtClean="0">
-                <a:latin typeface="Berlin Sans FB" panose="020E0602020502020306" pitchFamily="34" charset="0"/>
-              </a:rPr>
-              <a:t>fulfils </a:t>
-            </a:r>
-            <a:r>
-              <a:rPr lang="en-GB" sz="2400" dirty="0">
-                <a:latin typeface="Berlin Sans FB" panose="020E0602020502020306" pitchFamily="34" charset="0"/>
-              </a:rPr>
-              <a:t>any shortage in blood bank. </a:t>
-            </a:r>
-            <a:endParaRPr lang="en-GB" sz="2400" dirty="0" smtClean="0">
-              <a:latin typeface="Berlin Sans FB" panose="020E0602020502020306" pitchFamily="34" charset="0"/>
-            </a:endParaRPr>
+              <a:t> Willing person can donate where needed which fulfils any shortage in blood bank. </a:t>
+            </a:r>
           </a:p>
           <a:p>
             <a:pPr>
@@ -8457,20 +8334,11 @@
               <a:buChar char="Ø"/>
             </a:pPr>
             <a:r>
-              <a:rPr lang="en-GB" sz="2400" dirty="0" smtClean="0">
-                <a:latin typeface="Berlin Sans FB" panose="020E0602020502020306" pitchFamily="34" charset="0"/>
-              </a:rPr>
-              <a:t> </a:t>
-            </a:r>
-            <a:r>
               <a:rPr lang="en-GB" sz="2400" dirty="0">
                 <a:latin typeface="Berlin Sans FB" panose="020E0602020502020306" pitchFamily="34" charset="0"/>
               </a:rPr>
-              <a:t>Blood donation campaign or any other related social awareness information can notify to all the registered users with ease. </a:t>
-            </a:r>
-            <a:endParaRPr lang="en-GB" sz="2400" dirty="0" smtClean="0">
-              <a:latin typeface="Berlin Sans FB" panose="020E0602020502020306" pitchFamily="34" charset="0"/>
-            </a:endParaRPr>
+              <a:t> Blood donation campaign or any other related social awareness information can notify to all the registered users with ease. </a:t>
+            </a:r>
           </a:p>
           <a:p>
             <a:pPr>
@@ -8478,28 +8346,10 @@
               <a:buChar char="Ø"/>
             </a:pPr>
             <a:r>
-              <a:rPr lang="en-GB" sz="2400" dirty="0" smtClean="0">
-                <a:latin typeface="Berlin Sans FB" panose="020E0602020502020306" pitchFamily="34" charset="0"/>
-              </a:rPr>
-              <a:t> </a:t>
-            </a:r>
-            <a:r>
               <a:rPr lang="en-GB" sz="2400" dirty="0">
                 <a:latin typeface="Berlin Sans FB" panose="020E0602020502020306" pitchFamily="34" charset="0"/>
               </a:rPr>
-              <a:t>This system will build maintain a proper communication between donor and recipients including blood banks, hospitals and health </a:t>
-            </a:r>
-            <a:r>
-              <a:rPr lang="en-GB" sz="2400" dirty="0" smtClean="0">
-                <a:latin typeface="Berlin Sans FB" panose="020E0602020502020306" pitchFamily="34" charset="0"/>
-              </a:rPr>
-              <a:t>centres</a:t>
-            </a:r>
-            <a:r>
-              <a:rPr lang="en-GB" sz="2400" dirty="0">
-                <a:latin typeface="Berlin Sans FB" panose="020E0602020502020306" pitchFamily="34" charset="0"/>
-              </a:rPr>
-              <a:t>.</a:t>
+              <a:t> This system will build maintain a proper communication between donor and recipients including blood banks, hospitals and health centres.</a:t>
             </a:r>
             <a:endParaRPr lang="en-US" sz="2400" dirty="0">
               <a:latin typeface="Berlin Sans FB" panose="020E0602020502020306" pitchFamily="34" charset="0"/>
@@ -8573,13 +8423,6 @@
   <p:clrMapOvr>
     <a:masterClrMapping/>
   </p:clrMapOvr>
-  <p:timing>
-    <p:tnLst>
-      <p:par>
-        <p:cTn id="1" dur="indefinite" restart="never" nodeType="tmRoot"/>
-      </p:par>
-    </p:tnLst>
-  </p:timing>
 </p:sld>
 </file>
 
@@ -8623,14 +8466,11 @@
           <a:lstStyle/>
           <a:p>
             <a:r>
-              <a:rPr lang="en-US" sz="4000" dirty="0" smtClean="0">
+              <a:rPr lang="en-US" sz="4000" dirty="0">
                 <a:latin typeface="Bodoni MT Black" panose="02070A03080606020203" pitchFamily="18" charset="0"/>
               </a:rPr>
               <a:t>Literature review</a:t>
             </a:r>
-            <a:endParaRPr lang="en-US" sz="4000" dirty="0">
-              <a:latin typeface="Bodoni MT Black" panose="02070A03080606020203" pitchFamily="18" charset="0"/>
-            </a:endParaRPr>
           </a:p>
         </p:txBody>
       </p:sp>
@@ -8660,9 +8500,27 @@
                 <a:tableStyleId>{F5AB1C69-6EDB-4FF4-983F-18BD219EF322}</a:tableStyleId>
               </a:tblPr>
               <a:tblGrid>
-                <a:gridCol w="573206"/>
-                <a:gridCol w="3234519"/>
-                <a:gridCol w="8384275"/>
+                <a:gridCol w="573206">
+                  <a:extLst>
+                    <a:ext uri="{9D8B030D-6E8A-4147-A177-3AD203B41FA5}">
+                      <a16:colId xmlns:a16="http://schemas.microsoft.com/office/drawing/2014/main" val="20000"/>
+                    </a:ext>
+                  </a:extLst>
+                </a:gridCol>
+                <a:gridCol w="3234519">
+                  <a:extLst>
+                    <a:ext uri="{9D8B030D-6E8A-4147-A177-3AD203B41FA5}">
+                      <a16:colId xmlns:a16="http://schemas.microsoft.com/office/drawing/2014/main" val="20001"/>
+                    </a:ext>
+                  </a:extLst>
+                </a:gridCol>
+                <a:gridCol w="8384275">
+                  <a:extLst>
+                    <a:ext uri="{9D8B030D-6E8A-4147-A177-3AD203B41FA5}">
+                      <a16:colId xmlns:a16="http://schemas.microsoft.com/office/drawing/2014/main" val="20002"/>
+                    </a:ext>
+                  </a:extLst>
+                </a:gridCol>
               </a:tblGrid>
               <a:tr h="410330">
                 <a:tc>
@@ -8671,10 +8529,9 @@
                     <a:lstStyle/>
                     <a:p>
                       <a:r>
-                        <a:rPr lang="en-US" dirty="0" smtClean="0"/>
+                        <a:rPr lang="en-US" dirty="0"/>
                         <a:t>S.N.</a:t>
                       </a:r>
-                      <a:endParaRPr lang="en-US" dirty="0"/>
                     </a:p>
                   </a:txBody>
                   <a:tcPr/>
@@ -8686,11 +8543,11 @@
                     <a:p>
                       <a:pPr algn="ctr"/>
                       <a:r>
-                        <a:rPr lang="en-US" dirty="0" smtClean="0"/>
+                        <a:rPr lang="en-US" dirty="0"/>
                         <a:t>RESEARCH</a:t>
                       </a:r>
                       <a:r>
-                        <a:rPr lang="en-US" baseline="0" dirty="0" smtClean="0"/>
+                        <a:rPr lang="en-US" baseline="0" dirty="0"/>
                         <a:t> PAPERS</a:t>
                       </a:r>
                       <a:endParaRPr lang="en-US" dirty="0"/>
@@ -8705,14 +8562,18 @@
                     <a:p>
                       <a:pPr algn="ctr"/>
                       <a:r>
-                        <a:rPr lang="en-US" dirty="0" smtClean="0"/>
+                        <a:rPr lang="en-US" dirty="0"/>
                         <a:t>REVIEWS</a:t>
                       </a:r>
-                      <a:endParaRPr lang="en-US" dirty="0"/>
                     </a:p>
                   </a:txBody>
                   <a:tcPr/>
                 </a:tc>
+                <a:extLst>
+                  <a:ext uri="{0D108BD9-81ED-4DB2-BD59-A6C34878D82A}">
+                    <a16:rowId xmlns:a16="http://schemas.microsoft.com/office/drawing/2014/main" val="10000"/>
+                  </a:ext>
+                </a:extLst>
               </a:tr>
               <a:tr h="1164510">
                 <a:tc>
@@ -8721,10 +8582,9 @@
                     <a:lstStyle/>
                     <a:p>
                       <a:r>
-                        <a:rPr lang="en-US" dirty="0" smtClean="0"/>
+                        <a:rPr lang="en-US" dirty="0"/>
                         <a:t>1.</a:t>
                       </a:r>
-                      <a:endParaRPr lang="en-US" dirty="0"/>
                     </a:p>
                   </a:txBody>
                   <a:tcPr/>
@@ -8735,7 +8595,7 @@
                     <a:lstStyle/>
                     <a:p>
                       <a:r>
-                        <a:rPr lang="en-GB" dirty="0" smtClean="0"/>
+                        <a:rPr lang="en-GB" dirty="0"/>
                         <a:t>Blood Bank Connect Android Application</a:t>
                       </a:r>
                       <a:endParaRPr lang="en-US" dirty="0"/>
@@ -8749,15 +8609,15 @@
                     <a:lstStyle/>
                     <a:p>
                       <a:r>
-                        <a:rPr lang="en-GB" dirty="0" smtClean="0"/>
+                        <a:rPr lang="en-GB" dirty="0"/>
                         <a:t>Blood Bank Automation using Android application in which blood inventory will be managed and automated on line,</a:t>
                       </a:r>
                       <a:r>
-                        <a:rPr lang="en-GB" baseline="0" dirty="0" smtClean="0"/>
+                        <a:rPr lang="en-GB" baseline="0" dirty="0"/>
                         <a:t> </a:t>
                       </a:r>
                       <a:r>
-                        <a:rPr lang="en-GB" dirty="0" smtClean="0"/>
+                        <a:rPr lang="en-GB" dirty="0"/>
                         <a:t>User can quickly check for blood banks or hospitals in the emergency situation you can find the matching of particular or related blood group and reach to the particular location through the App</a:t>
                       </a:r>
                       <a:endParaRPr lang="en-US" dirty="0"/>
@@ -8765,6 +8625,11 @@
                   </a:txBody>
                   <a:tcPr/>
                 </a:tc>
+                <a:extLst>
+                  <a:ext uri="{0D108BD9-81ED-4DB2-BD59-A6C34878D82A}">
+                    <a16:rowId xmlns:a16="http://schemas.microsoft.com/office/drawing/2014/main" val="10001"/>
+                  </a:ext>
+                </a:extLst>
               </a:tr>
               <a:tr h="835599">
                 <a:tc>
@@ -8773,10 +8638,9 @@
                     <a:lstStyle/>
                     <a:p>
                       <a:r>
-                        <a:rPr lang="en-US" dirty="0" smtClean="0"/>
+                        <a:rPr lang="en-US" dirty="0"/>
                         <a:t>2.</a:t>
                       </a:r>
-                      <a:endParaRPr lang="en-US" dirty="0"/>
                     </a:p>
                   </a:txBody>
                   <a:tcPr/>
@@ -8787,7 +8651,7 @@
                     <a:lstStyle/>
                     <a:p>
                       <a:r>
-                        <a:rPr lang="en-GB" dirty="0" smtClean="0"/>
+                        <a:rPr lang="en-GB" dirty="0"/>
                         <a:t>Blood Donor Tracker By using GPS</a:t>
                       </a:r>
                       <a:endParaRPr lang="en-US" dirty="0"/>
@@ -8801,23 +8665,23 @@
                     <a:lstStyle/>
                     <a:p>
                       <a:r>
-                        <a:rPr lang="en-GB" dirty="0" smtClean="0"/>
+                        <a:rPr lang="en-GB" dirty="0"/>
                         <a:t>Included</a:t>
                       </a:r>
                       <a:r>
-                        <a:rPr lang="en-GB" baseline="0" dirty="0" smtClean="0"/>
+                        <a:rPr lang="en-GB" baseline="0" dirty="0"/>
                         <a:t> </a:t>
                       </a:r>
                       <a:r>
-                        <a:rPr lang="en-GB" dirty="0" smtClean="0"/>
+                        <a:rPr lang="en-GB" dirty="0"/>
                         <a:t>login page where in the user is required to register and only then can view the availability of blood and may also register to donate blood,</a:t>
                       </a:r>
                       <a:r>
-                        <a:rPr lang="en-GB" baseline="0" dirty="0" smtClean="0"/>
+                        <a:rPr lang="en-GB" baseline="0" dirty="0"/>
                         <a:t> </a:t>
                       </a:r>
                       <a:r>
-                        <a:rPr lang="en-GB" dirty="0" smtClean="0"/>
+                        <a:rPr lang="en-GB" dirty="0"/>
                         <a:t>helps to select the right donor online instantly using medical details along with the blood group</a:t>
                       </a:r>
                       <a:endParaRPr lang="en-US" dirty="0"/>
@@ -8825,6 +8689,11 @@
                   </a:txBody>
                   <a:tcPr/>
                 </a:tc>
+                <a:extLst>
+                  <a:ext uri="{0D108BD9-81ED-4DB2-BD59-A6C34878D82A}">
+                    <a16:rowId xmlns:a16="http://schemas.microsoft.com/office/drawing/2014/main" val="10002"/>
+                  </a:ext>
+                </a:extLst>
               </a:tr>
               <a:tr h="635614">
                 <a:tc>
@@ -8833,10 +8702,9 @@
                     <a:lstStyle/>
                     <a:p>
                       <a:r>
-                        <a:rPr lang="en-US" dirty="0" smtClean="0"/>
+                        <a:rPr lang="en-US" dirty="0"/>
                         <a:t>3.</a:t>
                       </a:r>
-                      <a:endParaRPr lang="en-US" dirty="0"/>
                     </a:p>
                   </a:txBody>
                   <a:tcPr/>
@@ -8847,7 +8715,7 @@
                     <a:lstStyle/>
                     <a:p>
                       <a:r>
-                        <a:rPr lang="en-GB" dirty="0" smtClean="0"/>
+                        <a:rPr lang="en-GB" dirty="0"/>
                         <a:t>Tracking System for Blood Donor Using GPS</a:t>
                       </a:r>
                       <a:endParaRPr lang="en-US" dirty="0"/>
@@ -8862,7 +8730,7 @@
                     <a:p>
                       <a:pPr algn="l"/>
                       <a:r>
-                        <a:rPr lang="en-GB" dirty="0" smtClean="0"/>
+                        <a:rPr lang="en-GB" dirty="0"/>
                         <a:t>Locates the nearest blood donor in cases of emergencies in fastest &amp; easiest way using GPS, Data analysis was done based on the questionnaire received from few users</a:t>
                       </a:r>
                       <a:endParaRPr lang="en-US" dirty="0"/>
@@ -8870,6 +8738,11 @@
                   </a:txBody>
                   <a:tcPr/>
                 </a:tc>
+                <a:extLst>
+                  <a:ext uri="{0D108BD9-81ED-4DB2-BD59-A6C34878D82A}">
+                    <a16:rowId xmlns:a16="http://schemas.microsoft.com/office/drawing/2014/main" val="10003"/>
+                  </a:ext>
+                </a:extLst>
               </a:tr>
               <a:tr h="635614">
                 <a:tc>
@@ -8878,10 +8751,9 @@
                     <a:lstStyle/>
                     <a:p>
                       <a:r>
-                        <a:rPr lang="en-US" dirty="0" smtClean="0"/>
+                        <a:rPr lang="en-US" dirty="0"/>
                         <a:t>4.</a:t>
                       </a:r>
-                      <a:endParaRPr lang="en-US" dirty="0"/>
                     </a:p>
                   </a:txBody>
                   <a:tcPr/>
@@ -8892,7 +8764,7 @@
                     <a:lstStyle/>
                     <a:p>
                       <a:r>
-                        <a:rPr lang="en-GB" dirty="0" smtClean="0"/>
+                        <a:rPr lang="en-GB" dirty="0"/>
                         <a:t>Blood Bank Application Using Cloud Computing</a:t>
                       </a:r>
                       <a:endParaRPr lang="en-US" dirty="0"/>
@@ -8906,15 +8778,15 @@
                     <a:lstStyle/>
                     <a:p>
                       <a:r>
-                        <a:rPr lang="en-GB" dirty="0" smtClean="0"/>
+                        <a:rPr lang="en-GB" dirty="0"/>
                         <a:t>Android application which allows the user to search donors of specific blood group based on their location, in a short period of time, facilitated with tracking the location of the nearby donors and providing SMS alerts, GPS module is included</a:t>
                       </a:r>
                       <a:r>
-                        <a:rPr lang="en-GB" baseline="0" dirty="0" smtClean="0"/>
+                        <a:rPr lang="en-GB" baseline="0" dirty="0"/>
                         <a:t> </a:t>
                       </a:r>
                       <a:r>
-                        <a:rPr lang="en-GB" dirty="0" smtClean="0"/>
+                        <a:rPr lang="en-GB" dirty="0"/>
                         <a:t>to locate the donors</a:t>
                       </a:r>
                       <a:endParaRPr lang="en-US" dirty="0"/>
@@ -8922,6 +8794,11 @@
                   </a:txBody>
                   <a:tcPr/>
                 </a:tc>
+                <a:extLst>
+                  <a:ext uri="{0D108BD9-81ED-4DB2-BD59-A6C34878D82A}">
+                    <a16:rowId xmlns:a16="http://schemas.microsoft.com/office/drawing/2014/main" val="10004"/>
+                  </a:ext>
+                </a:extLst>
               </a:tr>
               <a:tr h="635614">
                 <a:tc>
@@ -8930,10 +8807,9 @@
                     <a:lstStyle/>
                     <a:p>
                       <a:r>
-                        <a:rPr lang="en-US" dirty="0" smtClean="0"/>
+                        <a:rPr lang="en-US" dirty="0"/>
                         <a:t>5.</a:t>
                       </a:r>
-                      <a:endParaRPr lang="en-US" dirty="0"/>
                     </a:p>
                   </a:txBody>
                   <a:tcPr/>
@@ -8944,47 +8820,47 @@
                     <a:lstStyle/>
                     <a:p>
                       <a:r>
-                        <a:rPr lang="en-GB" dirty="0" smtClean="0"/>
+                        <a:rPr lang="en-GB" dirty="0"/>
                         <a:t>Location</a:t>
                       </a:r>
                       <a:r>
-                        <a:rPr lang="en-GB" baseline="0" dirty="0" smtClean="0"/>
+                        <a:rPr lang="en-GB" baseline="0" dirty="0"/>
                         <a:t> </a:t>
                       </a:r>
                       <a:r>
-                        <a:rPr lang="en-GB" dirty="0" smtClean="0"/>
+                        <a:rPr lang="en-GB" dirty="0"/>
                         <a:t>Based</a:t>
                       </a:r>
                       <a:r>
-                        <a:rPr lang="en-GB" baseline="0" dirty="0" smtClean="0"/>
+                        <a:rPr lang="en-GB" baseline="0" dirty="0"/>
                         <a:t> </a:t>
                       </a:r>
                       <a:r>
-                        <a:rPr lang="en-GB" dirty="0" smtClean="0"/>
+                        <a:rPr lang="en-GB" dirty="0"/>
                         <a:t>Online</a:t>
                       </a:r>
                       <a:r>
-                        <a:rPr lang="en-GB" baseline="0" dirty="0" smtClean="0"/>
+                        <a:rPr lang="en-GB" baseline="0" dirty="0"/>
                         <a:t> </a:t>
                       </a:r>
                       <a:r>
-                        <a:rPr lang="en-GB" dirty="0" smtClean="0"/>
+                        <a:rPr lang="en-GB" dirty="0"/>
                         <a:t>Blood</a:t>
                       </a:r>
                       <a:r>
-                        <a:rPr lang="en-GB" baseline="0" dirty="0" smtClean="0"/>
+                        <a:rPr lang="en-GB" baseline="0" dirty="0"/>
                         <a:t> </a:t>
                       </a:r>
                       <a:r>
-                        <a:rPr lang="en-GB" dirty="0" smtClean="0"/>
+                        <a:rPr lang="en-GB" dirty="0"/>
                         <a:t>Bank</a:t>
                       </a:r>
                       <a:r>
-                        <a:rPr lang="en-GB" baseline="0" dirty="0" smtClean="0"/>
+                        <a:rPr lang="en-GB" baseline="0" dirty="0"/>
                         <a:t> </a:t>
                       </a:r>
                       <a:r>
-                        <a:rPr lang="en-GB" dirty="0" smtClean="0"/>
+                        <a:rPr lang="en-GB" dirty="0"/>
                         <a:t>System</a:t>
                       </a:r>
                       <a:endParaRPr lang="en-US" dirty="0"/>
@@ -8998,18 +8874,22 @@
                     <a:lstStyle/>
                     <a:p>
                       <a:r>
-                        <a:rPr lang="en-GB" dirty="0" smtClean="0"/>
+                        <a:rPr lang="en-GB" dirty="0"/>
                         <a:t>Global Positioning System and nearest neighbour algorithm used for primary blood transfusion services, </a:t>
                       </a:r>
                       <a:r>
-                        <a:rPr lang="en-US" dirty="0" smtClean="0"/>
+                        <a:rPr lang="en-US" dirty="0"/>
                         <a:t>SMS and email services</a:t>
                       </a:r>
-                      <a:endParaRPr lang="en-US" dirty="0"/>
                     </a:p>
                   </a:txBody>
                   <a:tcPr/>
                 </a:tc>
+                <a:extLst>
+                  <a:ext uri="{0D108BD9-81ED-4DB2-BD59-A6C34878D82A}">
+                    <a16:rowId xmlns:a16="http://schemas.microsoft.com/office/drawing/2014/main" val="10005"/>
+                  </a:ext>
+                </a:extLst>
               </a:tr>
               <a:tr h="635614">
                 <a:tc>
@@ -9018,10 +8898,9 @@
                     <a:lstStyle/>
                     <a:p>
                       <a:r>
-                        <a:rPr lang="en-US" dirty="0" smtClean="0"/>
+                        <a:rPr lang="en-US" dirty="0"/>
                         <a:t>6.</a:t>
                       </a:r>
-                      <a:endParaRPr lang="en-US" dirty="0"/>
                     </a:p>
                   </a:txBody>
                   <a:tcPr/>
@@ -9032,7 +8911,7 @@
                     <a:lstStyle/>
                     <a:p>
                       <a:r>
-                        <a:rPr lang="en-GB" dirty="0" smtClean="0"/>
+                        <a:rPr lang="en-GB" dirty="0"/>
                         <a:t>Online Blood Bank Management System Using Android Application</a:t>
                       </a:r>
                       <a:endParaRPr lang="en-US" dirty="0"/>
@@ -9046,7 +8925,7 @@
                     <a:lstStyle/>
                     <a:p>
                       <a:r>
-                        <a:rPr lang="en-GB" dirty="0" smtClean="0"/>
+                        <a:rPr lang="en-GB" dirty="0"/>
                         <a:t>Included price variations along with stock handlings, increase in blood types which may lead to increase in human blood infrastructure and categories to be managed</a:t>
                       </a:r>
                       <a:endParaRPr lang="en-US" dirty="0"/>
@@ -9054,6 +8933,11 @@
                   </a:txBody>
                   <a:tcPr/>
                 </a:tc>
+                <a:extLst>
+                  <a:ext uri="{0D108BD9-81ED-4DB2-BD59-A6C34878D82A}">
+                    <a16:rowId xmlns:a16="http://schemas.microsoft.com/office/drawing/2014/main" val="10006"/>
+                  </a:ext>
+                </a:extLst>
               </a:tr>
             </a:tbl>
           </a:graphicData>
@@ -9125,13 +9009,6 @@
   <p:clrMapOvr>
     <a:masterClrMapping/>
   </p:clrMapOvr>
-  <p:timing>
-    <p:tnLst>
-      <p:par>
-        <p:cTn id="1" dur="indefinite" restart="never" nodeType="tmRoot"/>
-      </p:par>
-    </p:tnLst>
-  </p:timing>
 </p:sld>
 </file>
 
@@ -9175,14 +9052,11 @@
           <a:lstStyle/>
           <a:p>
             <a:r>
-              <a:rPr lang="en-US" sz="4000" dirty="0" smtClean="0">
+              <a:rPr lang="en-US" sz="4000" dirty="0">
                 <a:latin typeface="Bodoni MT Black" panose="02070A03080606020203" pitchFamily="18" charset="0"/>
               </a:rPr>
               <a:t>methodology</a:t>
             </a:r>
-            <a:endParaRPr lang="en-US" sz="4000" dirty="0">
-              <a:latin typeface="Bodoni MT Black" panose="02070A03080606020203" pitchFamily="18" charset="0"/>
-            </a:endParaRPr>
           </a:p>
         </p:txBody>
       </p:sp>
@@ -9252,13 +9126,6 @@
   <p:clrMapOvr>
     <a:masterClrMapping/>
   </p:clrMapOvr>
-  <p:timing>
-    <p:tnLst>
-      <p:par>
-        <p:cTn id="1" dur="indefinite" restart="never" nodeType="tmRoot"/>
-      </p:par>
-    </p:tnLst>
-  </p:timing>
 </p:sld>
 </file>
 
@@ -9281,47 +9148,164 @@
       </p:grpSpPr>
       <p:sp>
         <p:nvSpPr>
-          <p:cNvPr id="2" name="Title 1"/>
-          <p:cNvSpPr>
-            <a:spLocks noGrp="1"/>
-          </p:cNvSpPr>
-          <p:nvPr>
-            <p:ph type="title"/>
-          </p:nvPr>
-        </p:nvSpPr>
-        <p:spPr>
-          <a:xfrm>
-            <a:off x="913149" y="0"/>
-            <a:ext cx="10364451" cy="941697"/>
-          </a:xfrm>
-        </p:spPr>
-        <p:txBody>
-          <a:bodyPr>
-            <a:normAutofit/>
+          <p:cNvPr id="4" name="Date Placeholder 3">
+            <a:extLst>
+              <a:ext uri="{FF2B5EF4-FFF2-40B4-BE49-F238E27FC236}">
+                <a16:creationId xmlns:a16="http://schemas.microsoft.com/office/drawing/2014/main" id="{88463CF7-8C45-440B-9A13-B1E5238685E7}"/>
+              </a:ext>
+            </a:extLst>
+          </p:cNvPr>
+          <p:cNvSpPr>
+            <a:spLocks noGrp="1"/>
+          </p:cNvSpPr>
+          <p:nvPr>
+            <p:ph type="dt" sz="half" idx="10"/>
+          </p:nvPr>
+        </p:nvSpPr>
+        <p:spPr/>
+        <p:txBody>
+          <a:bodyPr/>
+          <a:lstStyle/>
+          <a:p>
+            <a:fld id="{9A8784F4-644A-47F3-8F4A-7ED29E9976DE}" type="datetime1">
+              <a:rPr lang="en-US" smtClean="0"/>
+              <a:t>12/13/2020</a:t>
+            </a:fld>
+            <a:endParaRPr lang="en-US"/>
+          </a:p>
+        </p:txBody>
+      </p:sp>
+      <p:sp>
+        <p:nvSpPr>
+          <p:cNvPr id="5" name="Slide Number Placeholder 4">
+            <a:extLst>
+              <a:ext uri="{FF2B5EF4-FFF2-40B4-BE49-F238E27FC236}">
+                <a16:creationId xmlns:a16="http://schemas.microsoft.com/office/drawing/2014/main" id="{0E92839C-8987-4DAC-9DE5-EB052E2874BA}"/>
+              </a:ext>
+            </a:extLst>
+          </p:cNvPr>
+          <p:cNvSpPr>
+            <a:spLocks noGrp="1"/>
+          </p:cNvSpPr>
+          <p:nvPr>
+            <p:ph type="sldNum" sz="quarter" idx="12"/>
+          </p:nvPr>
+        </p:nvSpPr>
+        <p:spPr/>
+        <p:txBody>
+          <a:bodyPr/>
+          <a:lstStyle/>
+          <a:p>
+            <a:fld id="{E60BBF07-671A-46E4-8281-EB1480A5D8C2}" type="slidenum">
+              <a:rPr lang="en-US" smtClean="0"/>
+              <a:t>8</a:t>
+            </a:fld>
+            <a:endParaRPr lang="en-US"/>
+          </a:p>
+        </p:txBody>
+      </p:sp>
+      <p:sp>
+        <p:nvSpPr>
+          <p:cNvPr id="8" name="TextBox 7">
+            <a:extLst>
+              <a:ext uri="{FF2B5EF4-FFF2-40B4-BE49-F238E27FC236}">
+                <a16:creationId xmlns:a16="http://schemas.microsoft.com/office/drawing/2014/main" id="{0A4981EF-BD07-459E-8C30-127612E45F64}"/>
+              </a:ext>
+            </a:extLst>
+          </p:cNvPr>
+          <p:cNvSpPr txBox="1"/>
+          <p:nvPr/>
+        </p:nvSpPr>
+        <p:spPr>
+          <a:xfrm>
+            <a:off x="977720" y="2047995"/>
+            <a:ext cx="4896119" cy="3117899"/>
+          </a:xfrm>
+          <a:prstGeom prst="rect">
+            <a:avLst/>
+          </a:prstGeom>
+          <a:noFill/>
+        </p:spPr>
+        <p:txBody>
+          <a:bodyPr wrap="square" rtlCol="0">
+            <a:spAutoFit/>
           </a:bodyPr>
           <a:lstStyle/>
           <a:p>
-            <a:r>
-              <a:rPr lang="en-US" sz="2000" dirty="0" smtClean="0">
-                <a:latin typeface="Bodoni MT Black" panose="02070A03080606020203" pitchFamily="18" charset="0"/>
-              </a:rPr>
-              <a:t>Context diagram</a:t>
-            </a:r>
-            <a:endParaRPr lang="en-US" sz="2000" dirty="0">
-              <a:latin typeface="Bodoni MT Black" panose="02070A03080606020203" pitchFamily="18" charset="0"/>
-            </a:endParaRPr>
+            <a:pPr marL="285750" indent="-285750">
+              <a:buFont typeface="Arial" panose="020B0604020202020204" pitchFamily="34" charset="0"/>
+              <a:buChar char="•"/>
+            </a:pPr>
+            <a:r>
+              <a:rPr lang="en-US" sz="3200" dirty="0"/>
+              <a:t>Registration</a:t>
+            </a:r>
+          </a:p>
+          <a:p>
+            <a:pPr marL="285750" indent="-285750">
+              <a:buFont typeface="Arial" panose="020B0604020202020204" pitchFamily="34" charset="0"/>
+              <a:buChar char="•"/>
+            </a:pPr>
+            <a:r>
+              <a:rPr lang="en-US" sz="3200" dirty="0"/>
+              <a:t>Android  Application</a:t>
+            </a:r>
+          </a:p>
+          <a:p>
+            <a:pPr marL="285750" indent="-285750">
+              <a:buFont typeface="Arial" panose="020B0604020202020204" pitchFamily="34" charset="0"/>
+              <a:buChar char="•"/>
+            </a:pPr>
+            <a:r>
+              <a:rPr lang="en-US" sz="3200" dirty="0"/>
+              <a:t>Request Generation</a:t>
+            </a:r>
+          </a:p>
+          <a:p>
+            <a:pPr marL="285750" indent="-285750">
+              <a:buFont typeface="Arial" panose="020B0604020202020204" pitchFamily="34" charset="0"/>
+              <a:buChar char="•"/>
+            </a:pPr>
+            <a:r>
+              <a:rPr lang="en-US" sz="3200" dirty="0"/>
+              <a:t>Location Detection</a:t>
+            </a:r>
+          </a:p>
+          <a:p>
+            <a:pPr marL="285750" indent="-285750">
+              <a:buFont typeface="Arial" panose="020B0604020202020204" pitchFamily="34" charset="0"/>
+              <a:buChar char="•"/>
+            </a:pPr>
+            <a:r>
+              <a:rPr lang="en-US" sz="3200" dirty="0"/>
+              <a:t>Notification</a:t>
+            </a:r>
+          </a:p>
+          <a:p>
+            <a:pPr marL="285750" indent="-285750">
+              <a:buFont typeface="Arial" panose="020B0604020202020204" pitchFamily="34" charset="0"/>
+              <a:buChar char="•"/>
+            </a:pPr>
+            <a:r>
+              <a:rPr lang="en-US" sz="3200" dirty="0"/>
+              <a:t>GPS navigation</a:t>
+            </a:r>
           </a:p>
         </p:txBody>
       </p:sp>
       <p:pic>
         <p:nvPicPr>
-          <p:cNvPr id="6" name="Content Placeholder 5"/>
+          <p:cNvPr id="10" name="Picture 9">
+            <a:extLst>
+              <a:ext uri="{FF2B5EF4-FFF2-40B4-BE49-F238E27FC236}">
+                <a16:creationId xmlns:a16="http://schemas.microsoft.com/office/drawing/2014/main" id="{B2676F85-090B-40D8-92F6-E207889BE9A1}"/>
+              </a:ext>
+            </a:extLst>
+          </p:cNvPr>
           <p:cNvPicPr>
-            <a:picLocks noGrp="1" noChangeAspect="1"/>
+            <a:picLocks noChangeAspect="1"/>
           </p:cNvPicPr>
-          <p:nvPr>
-            <p:ph sz="quarter" idx="13"/>
-          </p:nvPr>
+          <p:nvPr/>
         </p:nvPicPr>
         <p:blipFill>
           <a:blip r:embed="rId2">
@@ -9337,84 +9321,60 @@
         </p:blipFill>
         <p:spPr>
           <a:xfrm>
-            <a:off x="1189004" y="941697"/>
-            <a:ext cx="9812740" cy="5131557"/>
-          </a:xfrm>
+            <a:off x="5361870" y="1475067"/>
+            <a:ext cx="6091080" cy="4263757"/>
+          </a:xfrm>
+          <a:prstGeom prst="rect">
+            <a:avLst/>
+          </a:prstGeom>
         </p:spPr>
       </p:pic>
       <p:sp>
         <p:nvSpPr>
-          <p:cNvPr id="4" name="Date Placeholder 3"/>
-          <p:cNvSpPr>
-            <a:spLocks noGrp="1"/>
-          </p:cNvSpPr>
-          <p:nvPr>
-            <p:ph type="dt" sz="half" idx="10"/>
-          </p:nvPr>
-        </p:nvSpPr>
-        <p:spPr>
-          <a:xfrm>
-            <a:off x="-1028534" y="6507613"/>
-            <a:ext cx="2743200" cy="365125"/>
-          </a:xfrm>
-        </p:spPr>
-        <p:txBody>
-          <a:bodyPr/>
-          <a:lstStyle/>
-          <a:p>
-            <a:fld id="{9A8784F4-644A-47F3-8F4A-7ED29E9976DE}" type="datetime1">
-              <a:rPr lang="en-US" sz="2000" smtClean="0"/>
-              <a:t>12/13/2020</a:t>
-            </a:fld>
-            <a:endParaRPr lang="en-US" sz="2000" dirty="0"/>
-          </a:p>
-        </p:txBody>
-      </p:sp>
-      <p:sp>
-        <p:nvSpPr>
-          <p:cNvPr id="5" name="Slide Number Placeholder 4"/>
-          <p:cNvSpPr>
-            <a:spLocks noGrp="1"/>
-          </p:cNvSpPr>
-          <p:nvPr>
-            <p:ph type="sldNum" sz="quarter" idx="12"/>
-          </p:nvPr>
-        </p:nvSpPr>
-        <p:spPr>
-          <a:xfrm>
-            <a:off x="10895492" y="6452430"/>
-            <a:ext cx="764215" cy="365125"/>
-          </a:xfrm>
-        </p:spPr>
-        <p:txBody>
-          <a:bodyPr/>
-          <a:lstStyle/>
-          <a:p>
-            <a:fld id="{E60BBF07-671A-46E4-8281-EB1480A5D8C2}" type="slidenum">
-              <a:rPr lang="en-US" sz="2000" smtClean="0"/>
-              <a:t>8</a:t>
-            </a:fld>
-            <a:endParaRPr lang="en-US" sz="2000" dirty="0"/>
+          <p:cNvPr id="11" name="TextBox 10">
+            <a:extLst>
+              <a:ext uri="{FF2B5EF4-FFF2-40B4-BE49-F238E27FC236}">
+                <a16:creationId xmlns:a16="http://schemas.microsoft.com/office/drawing/2014/main" id="{30EAFCDD-E41C-499C-9F4F-2A06804D075C}"/>
+              </a:ext>
+            </a:extLst>
+          </p:cNvPr>
+          <p:cNvSpPr txBox="1"/>
+          <p:nvPr/>
+        </p:nvSpPr>
+        <p:spPr>
+          <a:xfrm>
+            <a:off x="3425780" y="257577"/>
+            <a:ext cx="5975797" cy="584775"/>
+          </a:xfrm>
+          <a:prstGeom prst="rect">
+            <a:avLst/>
+          </a:prstGeom>
+          <a:noFill/>
+        </p:spPr>
+        <p:txBody>
+          <a:bodyPr wrap="square" rtlCol="0">
+            <a:spAutoFit/>
+          </a:bodyPr>
+          <a:lstStyle/>
+          <a:p>
+            <a:pPr algn="ctr"/>
+            <a:r>
+              <a:rPr lang="en-US" sz="3200" b="1" dirty="0"/>
+              <a:t>Proposed e-blood bank </a:t>
+            </a:r>
           </a:p>
         </p:txBody>
       </p:sp>
     </p:spTree>
     <p:extLst>
       <p:ext uri="{BB962C8B-B14F-4D97-AF65-F5344CB8AC3E}">
-        <p14:creationId xmlns:p14="http://schemas.microsoft.com/office/powerpoint/2010/main" val="4270252492"/>
+        <p14:creationId xmlns:p14="http://schemas.microsoft.com/office/powerpoint/2010/main" val="31894900"/>
       </p:ext>
     </p:extLst>
   </p:cSld>
   <p:clrMapOvr>
     <a:masterClrMapping/>
   </p:clrMapOvr>
-  <p:timing>
-    <p:tnLst>
-      <p:par>
-        <p:cTn id="1" dur="indefinite" restart="never" nodeType="tmRoot"/>
-      </p:par>
-    </p:tnLst>
-  </p:timing>
 </p:sld>
 </file>
 
@@ -9448,7 +9408,7 @@
         <p:spPr>
           <a:xfrm>
             <a:off x="913149" y="0"/>
-            <a:ext cx="10364451" cy="841793"/>
+            <a:ext cx="10364451" cy="941697"/>
           </a:xfrm>
         </p:spPr>
         <p:txBody>
@@ -9458,14 +9418,11 @@
           <a:lstStyle/>
           <a:p>
             <a:r>
-              <a:rPr lang="en-US" sz="2000" dirty="0" smtClean="0">
+              <a:rPr lang="en-US" sz="2000" dirty="0">
                 <a:latin typeface="Bodoni MT Black" panose="02070A03080606020203" pitchFamily="18" charset="0"/>
               </a:rPr>
-              <a:t>Use-case diagram</a:t>
-            </a:r>
-            <a:endParaRPr lang="en-US" sz="2000" dirty="0">
-              <a:latin typeface="Bodoni MT Black" panose="02070A03080606020203" pitchFamily="18" charset="0"/>
-            </a:endParaRPr>
+              <a:t>Context diagram</a:t>
+            </a:r>
           </a:p>
         </p:txBody>
       </p:sp>
@@ -9493,8 +9450,8 @@
         </p:blipFill>
         <p:spPr>
           <a:xfrm>
-            <a:off x="2349305" y="841793"/>
-            <a:ext cx="6822830" cy="5638523"/>
+            <a:off x="1189004" y="941697"/>
+            <a:ext cx="9812740" cy="5131557"/>
           </a:xfrm>
         </p:spPr>
       </p:pic>
@@ -9510,7 +9467,7 @@
         </p:nvSpPr>
         <p:spPr>
           <a:xfrm>
-            <a:off x="-1069477" y="6480316"/>
+            <a:off x="-1028534" y="6507613"/>
             <a:ext cx="2743200" cy="365125"/>
           </a:xfrm>
         </p:spPr>
@@ -9538,7 +9495,7 @@
         </p:nvSpPr>
         <p:spPr>
           <a:xfrm>
-            <a:off x="10895492" y="6480317"/>
+            <a:off x="10895492" y="6452430"/>
             <a:ext cx="764215" cy="365125"/>
           </a:xfrm>
         </p:spPr>
@@ -9557,20 +9514,13 @@
     </p:spTree>
     <p:extLst>
       <p:ext uri="{BB962C8B-B14F-4D97-AF65-F5344CB8AC3E}">
-        <p14:creationId xmlns:p14="http://schemas.microsoft.com/office/powerpoint/2010/main" val="1754941452"/>
+        <p14:creationId xmlns:p14="http://schemas.microsoft.com/office/powerpoint/2010/main" val="4270252492"/>
       </p:ext>
     </p:extLst>
   </p:cSld>
   <p:clrMapOvr>
     <a:masterClrMapping/>
   </p:clrMapOvr>
-  <p:timing>
-    <p:tnLst>
-      <p:par>
-        <p:cTn id="1" dur="indefinite" restart="never" nodeType="tmRoot"/>
-      </p:par>
-    </p:tnLst>
-  </p:timing>
 </p:sld>
 </file>
 

--- a/E-BloodBank_proposal.pptx
+++ b/E-BloodBank_proposal.pptx
@@ -212,7 +212,7 @@
           <a:p>
             <a:fld id="{F497D89B-7FE8-427F-9D1A-1BE2955D4B24}" type="datetime1">
               <a:rPr lang="en-US" smtClean="0"/>
-              <a:t>12/13/2020</a:t>
+              <a:t>12/14/2020</a:t>
             </a:fld>
             <a:endParaRPr lang="en-US"/>
           </a:p>
@@ -378,7 +378,7 @@
           <a:p>
             <a:fld id="{549668A2-1048-42E1-AD40-D6FA200D6E1A}" type="datetime1">
               <a:rPr lang="en-US" smtClean="0"/>
-              <a:t>12/13/2020</a:t>
+              <a:t>12/14/2020</a:t>
             </a:fld>
             <a:endParaRPr lang="en-US"/>
           </a:p>
@@ -734,7 +734,7 @@
           <a:p>
             <a:fld id="{322E03E7-A54E-4FE5-8988-8047630ACFF9}" type="datetime1">
               <a:rPr lang="en-US" smtClean="0"/>
-              <a:t>12/13/2020</a:t>
+              <a:t>12/14/2020</a:t>
             </a:fld>
             <a:endParaRPr lang="en-US"/>
           </a:p>
@@ -924,7 +924,7 @@
           <a:p>
             <a:fld id="{9DCDC8F9-7DD1-447A-93AF-9FF90FA31CCA}" type="datetime1">
               <a:rPr lang="en-US" smtClean="0"/>
-              <a:t>12/13/2020</a:t>
+              <a:t>12/14/2020</a:t>
             </a:fld>
             <a:endParaRPr lang="en-US"/>
           </a:p>
@@ -1244,7 +1244,7 @@
           <a:p>
             <a:fld id="{239A3359-BC13-4334-B3A0-07C7BB03EB3F}" type="datetime1">
               <a:rPr lang="en-US" smtClean="0"/>
-              <a:t>12/13/2020</a:t>
+              <a:t>12/14/2020</a:t>
             </a:fld>
             <a:endParaRPr lang="en-US"/>
           </a:p>
@@ -1467,7 +1467,7 @@
           <a:p>
             <a:fld id="{239A3359-BC13-4334-B3A0-07C7BB03EB3F}" type="datetime1">
               <a:rPr lang="en-US" smtClean="0"/>
-              <a:t>12/13/2020</a:t>
+              <a:t>12/14/2020</a:t>
             </a:fld>
             <a:endParaRPr lang="en-US"/>
           </a:p>
@@ -1759,7 +1759,7 @@
           <a:p>
             <a:fld id="{239A3359-BC13-4334-B3A0-07C7BB03EB3F}" type="datetime1">
               <a:rPr lang="en-US" smtClean="0"/>
-              <a:t>12/13/2020</a:t>
+              <a:t>12/14/2020</a:t>
             </a:fld>
             <a:endParaRPr lang="en-US"/>
           </a:p>
@@ -2214,7 +2214,7 @@
           <a:p>
             <a:fld id="{239A3359-BC13-4334-B3A0-07C7BB03EB3F}" type="datetime1">
               <a:rPr lang="en-US" smtClean="0"/>
-              <a:t>12/13/2020</a:t>
+              <a:t>12/14/2020</a:t>
             </a:fld>
             <a:endParaRPr lang="en-US"/>
           </a:p>
@@ -2791,7 +2791,7 @@
           <a:p>
             <a:fld id="{239A3359-BC13-4334-B3A0-07C7BB03EB3F}" type="datetime1">
               <a:rPr lang="en-US" smtClean="0"/>
-              <a:t>12/13/2020</a:t>
+              <a:t>12/14/2020</a:t>
             </a:fld>
             <a:endParaRPr lang="en-US"/>
           </a:p>
@@ -3653,7 +3653,7 @@
           <a:p>
             <a:fld id="{239A3359-BC13-4334-B3A0-07C7BB03EB3F}" type="datetime1">
               <a:rPr lang="en-US" smtClean="0"/>
-              <a:t>12/13/2020</a:t>
+              <a:t>12/14/2020</a:t>
             </a:fld>
             <a:endParaRPr lang="en-US"/>
           </a:p>
@@ -3859,7 +3859,7 @@
           <a:p>
             <a:fld id="{4AA03F31-FD22-415C-B8AC-6523596292B1}" type="datetime1">
               <a:rPr lang="en-US" smtClean="0"/>
-              <a:t>12/13/2020</a:t>
+              <a:t>12/14/2020</a:t>
             </a:fld>
             <a:endParaRPr lang="en-US"/>
           </a:p>
@@ -4073,7 +4073,7 @@
           <a:p>
             <a:fld id="{8BD69A6C-973A-4184-BAC9-729C2F192007}" type="datetime1">
               <a:rPr lang="en-US" smtClean="0"/>
-              <a:t>12/13/2020</a:t>
+              <a:t>12/14/2020</a:t>
             </a:fld>
             <a:endParaRPr lang="en-US"/>
           </a:p>
@@ -4278,7 +4278,7 @@
           <a:p>
             <a:fld id="{9A8784F4-644A-47F3-8F4A-7ED29E9976DE}" type="datetime1">
               <a:rPr lang="en-US" smtClean="0"/>
-              <a:t>12/13/2020</a:t>
+              <a:t>12/14/2020</a:t>
             </a:fld>
             <a:endParaRPr lang="en-US"/>
           </a:p>
@@ -4558,7 +4558,7 @@
           <a:p>
             <a:fld id="{341D1DB8-EAD0-41B5-AB0E-4DF3E6373953}" type="datetime1">
               <a:rPr lang="en-US" smtClean="0"/>
-              <a:t>12/13/2020</a:t>
+              <a:t>12/14/2020</a:t>
             </a:fld>
             <a:endParaRPr lang="en-US"/>
           </a:p>
@@ -4825,7 +4825,7 @@
           <a:p>
             <a:fld id="{454D2F19-784C-452E-8383-23B2760EDADF}" type="datetime1">
               <a:rPr lang="en-US" smtClean="0"/>
-              <a:t>12/13/2020</a:t>
+              <a:t>12/14/2020</a:t>
             </a:fld>
             <a:endParaRPr lang="en-US"/>
           </a:p>
@@ -5240,7 +5240,7 @@
           <a:p>
             <a:fld id="{408492E6-5F6C-41AA-9915-38D247175A9F}" type="datetime1">
               <a:rPr lang="en-US" smtClean="0"/>
-              <a:t>12/13/2020</a:t>
+              <a:t>12/14/2020</a:t>
             </a:fld>
             <a:endParaRPr lang="en-US"/>
           </a:p>
@@ -5388,7 +5388,7 @@
           <a:p>
             <a:fld id="{44206320-0579-4FA7-8FB7-A2744B5C5EB9}" type="datetime1">
               <a:rPr lang="en-US" smtClean="0"/>
-              <a:t>12/13/2020</a:t>
+              <a:t>12/14/2020</a:t>
             </a:fld>
             <a:endParaRPr lang="en-US"/>
           </a:p>
@@ -5513,7 +5513,7 @@
           <a:p>
             <a:fld id="{8832B38D-BF8F-4A5B-A4AB-0254F3C610B6}" type="datetime1">
               <a:rPr lang="en-US" smtClean="0"/>
-              <a:t>12/13/2020</a:t>
+              <a:t>12/14/2020</a:t>
             </a:fld>
             <a:endParaRPr lang="en-US"/>
           </a:p>
@@ -5797,7 +5797,7 @@
           <a:p>
             <a:fld id="{B1315C82-B713-4671-8936-19BC657981F2}" type="datetime1">
               <a:rPr lang="en-US" smtClean="0"/>
-              <a:t>12/13/2020</a:t>
+              <a:t>12/14/2020</a:t>
             </a:fld>
             <a:endParaRPr lang="en-US"/>
           </a:p>
@@ -6117,7 +6117,7 @@
           <a:p>
             <a:fld id="{DC5B920E-6499-4C59-AB99-66FB795B05E4}" type="datetime1">
               <a:rPr lang="en-US" smtClean="0"/>
-              <a:t>12/13/2020</a:t>
+              <a:t>12/14/2020</a:t>
             </a:fld>
             <a:endParaRPr lang="en-US"/>
           </a:p>
@@ -6370,7 +6370,7 @@
           <a:p>
             <a:fld id="{239A3359-BC13-4334-B3A0-07C7BB03EB3F}" type="datetime1">
               <a:rPr lang="en-US" smtClean="0"/>
-              <a:t>12/13/2020</a:t>
+              <a:t>12/14/2020</a:t>
             </a:fld>
             <a:endParaRPr lang="en-US"/>
           </a:p>
@@ -6992,7 +6992,7 @@
           <a:p>
             <a:fld id="{AE935C67-EB65-442A-8E92-C68A7A1AB141}" type="datetime1">
               <a:rPr lang="en-US" sz="2000" smtClean="0"/>
-              <a:t>12/13/2020</a:t>
+              <a:t>12/14/2020</a:t>
             </a:fld>
             <a:endParaRPr lang="en-US" sz="2000" dirty="0"/>
           </a:p>
@@ -7026,6 +7026,42 @@
           </a:p>
         </p:txBody>
       </p:sp>
+      <p:pic>
+        <p:nvPicPr>
+          <p:cNvPr id="9" name="Picture 8">
+            <a:extLst>
+              <a:ext uri="{FF2B5EF4-FFF2-40B4-BE49-F238E27FC236}">
+                <a16:creationId xmlns:a16="http://schemas.microsoft.com/office/drawing/2014/main" id="{A16D2228-E1C8-4CB5-98A4-FCB91D6C904F}"/>
+              </a:ext>
+            </a:extLst>
+          </p:cNvPr>
+          <p:cNvPicPr>
+            <a:picLocks noChangeAspect="1"/>
+          </p:cNvPicPr>
+          <p:nvPr/>
+        </p:nvPicPr>
+        <p:blipFill>
+          <a:blip r:embed="rId3">
+            <a:extLst>
+              <a:ext uri="{28A0092B-C50C-407E-A947-70E740481C1C}">
+                <a14:useLocalDpi xmlns:a14="http://schemas.microsoft.com/office/drawing/2010/main" val="0"/>
+              </a:ext>
+            </a:extLst>
+          </a:blip>
+          <a:stretch>
+            <a:fillRect/>
+          </a:stretch>
+        </p:blipFill>
+        <p:spPr>
+          <a:xfrm>
+            <a:off x="6709893" y="2342641"/>
+            <a:ext cx="4851042" cy="4851042"/>
+          </a:xfrm>
+          <a:prstGeom prst="rect">
+            <a:avLst/>
+          </a:prstGeom>
+        </p:spPr>
+      </p:pic>
     </p:spTree>
     <p:extLst>
       <p:ext uri="{BB962C8B-B14F-4D97-AF65-F5344CB8AC3E}">
@@ -7138,7 +7174,7 @@
           <a:p>
             <a:fld id="{9A8784F4-644A-47F3-8F4A-7ED29E9976DE}" type="datetime1">
               <a:rPr lang="en-US" sz="2000" smtClean="0"/>
-              <a:t>12/13/2020</a:t>
+              <a:t>12/14/2020</a:t>
             </a:fld>
             <a:endParaRPr lang="en-US" sz="2000" dirty="0"/>
           </a:p>
@@ -7169,6 +7205,101 @@
               <a:t>10</a:t>
             </a:fld>
             <a:endParaRPr lang="en-US" sz="2000" dirty="0"/>
+          </a:p>
+        </p:txBody>
+      </p:sp>
+      <p:sp>
+        <p:nvSpPr>
+          <p:cNvPr id="7" name="Oval 6">
+            <a:extLst>
+              <a:ext uri="{FF2B5EF4-FFF2-40B4-BE49-F238E27FC236}">
+                <a16:creationId xmlns:a16="http://schemas.microsoft.com/office/drawing/2014/main" id="{76626F48-FDE1-459B-8195-E01A520789EC}"/>
+              </a:ext>
+            </a:extLst>
+          </p:cNvPr>
+          <p:cNvSpPr/>
+          <p:nvPr/>
+        </p:nvSpPr>
+        <p:spPr>
+          <a:xfrm>
+            <a:off x="5112912" y="4121238"/>
+            <a:ext cx="1210614" cy="515155"/>
+          </a:xfrm>
+          <a:prstGeom prst="ellipse">
+            <a:avLst/>
+          </a:prstGeom>
+          <a:solidFill>
+            <a:schemeClr val="bg1"/>
+          </a:solidFill>
+          <a:ln>
+            <a:noFill/>
+          </a:ln>
+        </p:spPr>
+        <p:style>
+          <a:lnRef idx="2">
+            <a:schemeClr val="accent1">
+              <a:shade val="50000"/>
+            </a:schemeClr>
+          </a:lnRef>
+          <a:fillRef idx="1">
+            <a:schemeClr val="accent1"/>
+          </a:fillRef>
+          <a:effectRef idx="0">
+            <a:schemeClr val="accent1"/>
+          </a:effectRef>
+          <a:fontRef idx="minor">
+            <a:schemeClr val="lt1"/>
+          </a:fontRef>
+        </p:style>
+        <p:txBody>
+          <a:bodyPr rtlCol="0" anchor="ctr"/>
+          <a:lstStyle/>
+          <a:p>
+            <a:pPr algn="ctr"/>
+            <a:endParaRPr lang="en-US">
+              <a:solidFill>
+                <a:schemeClr val="tx1"/>
+              </a:solidFill>
+            </a:endParaRPr>
+          </a:p>
+        </p:txBody>
+      </p:sp>
+      <p:sp>
+        <p:nvSpPr>
+          <p:cNvPr id="3" name="TextBox 2">
+            <a:extLst>
+              <a:ext uri="{FF2B5EF4-FFF2-40B4-BE49-F238E27FC236}">
+                <a16:creationId xmlns:a16="http://schemas.microsoft.com/office/drawing/2014/main" id="{6B320298-39B8-4811-81EC-0EC5378E4CDE}"/>
+              </a:ext>
+            </a:extLst>
+          </p:cNvPr>
+          <p:cNvSpPr txBox="1"/>
+          <p:nvPr/>
+        </p:nvSpPr>
+        <p:spPr>
+          <a:xfrm>
+            <a:off x="5196624" y="4224926"/>
+            <a:ext cx="1043189" cy="307777"/>
+          </a:xfrm>
+          <a:prstGeom prst="rect">
+            <a:avLst/>
+          </a:prstGeom>
+          <a:noFill/>
+        </p:spPr>
+        <p:txBody>
+          <a:bodyPr wrap="square" rtlCol="0">
+            <a:spAutoFit/>
+          </a:bodyPr>
+          <a:lstStyle/>
+          <a:p>
+            <a:r>
+              <a:rPr lang="en-US" sz="1400" dirty="0">
+                <a:solidFill>
+                  <a:srgbClr val="707070"/>
+                </a:solidFill>
+              </a:rPr>
+              <a:t>Panic button</a:t>
+            </a:r>
           </a:p>
         </p:txBody>
       </p:sp>
@@ -7331,7 +7462,7 @@
           <a:p>
             <a:fld id="{9A8784F4-644A-47F3-8F4A-7ED29E9976DE}" type="datetime1">
               <a:rPr lang="en-US" sz="2000" smtClean="0"/>
-              <a:t>12/13/2020</a:t>
+              <a:t>12/14/2020</a:t>
             </a:fld>
             <a:endParaRPr lang="en-US" sz="2000" dirty="0"/>
           </a:p>
@@ -7540,7 +7671,7 @@
           <a:p>
             <a:fld id="{9A8784F4-644A-47F3-8F4A-7ED29E9976DE}" type="datetime1">
               <a:rPr lang="en-US" sz="2000" smtClean="0"/>
-              <a:t>12/13/2020</a:t>
+              <a:t>12/14/2020</a:t>
             </a:fld>
             <a:endParaRPr lang="en-US" sz="2000" dirty="0"/>
           </a:p>
@@ -7813,7 +7944,7 @@
           <a:p>
             <a:fld id="{9A8784F4-644A-47F3-8F4A-7ED29E9976DE}" type="datetime1">
               <a:rPr lang="en-US" sz="2000" smtClean="0"/>
-              <a:t>12/13/2020</a:t>
+              <a:t>12/14/2020</a:t>
             </a:fld>
             <a:endParaRPr lang="en-US" sz="2000" dirty="0"/>
           </a:p>
@@ -8033,7 +8164,7 @@
           <a:p>
             <a:fld id="{9A8784F4-644A-47F3-8F4A-7ED29E9976DE}" type="datetime1">
               <a:rPr lang="en-US" sz="2000" smtClean="0"/>
-              <a:t>12/13/2020</a:t>
+              <a:t>12/14/2020</a:t>
             </a:fld>
             <a:endParaRPr lang="en-US" sz="2000" dirty="0"/>
           </a:p>
@@ -8188,7 +8319,7 @@
           <a:p>
             <a:fld id="{9A8784F4-644A-47F3-8F4A-7ED29E9976DE}" type="datetime1">
               <a:rPr lang="en-US" sz="2000" smtClean="0"/>
-              <a:t>12/13/2020</a:t>
+              <a:t>12/14/2020</a:t>
             </a:fld>
             <a:endParaRPr lang="en-US" sz="2000" dirty="0"/>
           </a:p>
@@ -8379,7 +8510,7 @@
           <a:p>
             <a:fld id="{9A8784F4-644A-47F3-8F4A-7ED29E9976DE}" type="datetime1">
               <a:rPr lang="en-US" sz="2000" smtClean="0"/>
-              <a:t>12/13/2020</a:t>
+              <a:t>12/14/2020</a:t>
             </a:fld>
             <a:endParaRPr lang="en-US" sz="2000" dirty="0"/>
           </a:p>
@@ -8965,7 +9096,7 @@
           <a:p>
             <a:fld id="{9A8784F4-644A-47F3-8F4A-7ED29E9976DE}" type="datetime1">
               <a:rPr lang="en-US" sz="2000" smtClean="0"/>
-              <a:t>12/13/2020</a:t>
+              <a:t>12/14/2020</a:t>
             </a:fld>
             <a:endParaRPr lang="en-US" sz="2000" dirty="0"/>
           </a:p>
@@ -9082,7 +9213,7 @@
           <a:p>
             <a:fld id="{9A8784F4-644A-47F3-8F4A-7ED29E9976DE}" type="datetime1">
               <a:rPr lang="en-US" sz="2000" smtClean="0"/>
-              <a:t>12/13/2020</a:t>
+              <a:t>12/14/2020</a:t>
             </a:fld>
             <a:endParaRPr lang="en-US" sz="2000" dirty="0"/>
           </a:p>
@@ -9169,7 +9300,7 @@
           <a:p>
             <a:fld id="{9A8784F4-644A-47F3-8F4A-7ED29E9976DE}" type="datetime1">
               <a:rPr lang="en-US" smtClean="0"/>
-              <a:t>12/13/2020</a:t>
+              <a:t>12/14/2020</a:t>
             </a:fld>
             <a:endParaRPr lang="en-US"/>
           </a:p>
@@ -9477,7 +9608,7 @@
           <a:p>
             <a:fld id="{9A8784F4-644A-47F3-8F4A-7ED29E9976DE}" type="datetime1">
               <a:rPr lang="en-US" sz="2000" smtClean="0"/>
-              <a:t>12/13/2020</a:t>
+              <a:t>12/14/2020</a:t>
             </a:fld>
             <a:endParaRPr lang="en-US" sz="2000" dirty="0"/>
           </a:p>

--- a/E-BloodBank_proposal.pptx
+++ b/E-BloodBank_proposal.pptx
@@ -7031,7 +7031,7 @@
           <p:cNvPr id="9" name="Picture 8">
             <a:extLst>
               <a:ext uri="{FF2B5EF4-FFF2-40B4-BE49-F238E27FC236}">
-                <a16:creationId xmlns:a16="http://schemas.microsoft.com/office/drawing/2014/main" id="{A16D2228-E1C8-4CB5-98A4-FCB91D6C904F}"/>
+                <a16:creationId xmlns:a16="http://schemas.microsoft.com/office/drawing/2014/main" xmlns="" id="{A16D2228-E1C8-4CB5-98A4-FCB91D6C904F}"/>
               </a:ext>
             </a:extLst>
           </p:cNvPr>
@@ -7213,7 +7213,7 @@
           <p:cNvPr id="7" name="Oval 6">
             <a:extLst>
               <a:ext uri="{FF2B5EF4-FFF2-40B4-BE49-F238E27FC236}">
-                <a16:creationId xmlns:a16="http://schemas.microsoft.com/office/drawing/2014/main" id="{76626F48-FDE1-459B-8195-E01A520789EC}"/>
+                <a16:creationId xmlns:a16="http://schemas.microsoft.com/office/drawing/2014/main" xmlns="" id="{76626F48-FDE1-459B-8195-E01A520789EC}"/>
               </a:ext>
             </a:extLst>
           </p:cNvPr>
@@ -7269,7 +7269,7 @@
           <p:cNvPr id="3" name="TextBox 2">
             <a:extLst>
               <a:ext uri="{FF2B5EF4-FFF2-40B4-BE49-F238E27FC236}">
-                <a16:creationId xmlns:a16="http://schemas.microsoft.com/office/drawing/2014/main" id="{6B320298-39B8-4811-81EC-0EC5378E4CDE}"/>
+                <a16:creationId xmlns:a16="http://schemas.microsoft.com/office/drawing/2014/main" xmlns="" id="{6B320298-39B8-4811-81EC-0EC5378E4CDE}"/>
               </a:ext>
             </a:extLst>
           </p:cNvPr>
@@ -7384,10 +7384,16 @@
               <a:buChar char="Ø"/>
             </a:pPr>
             <a:r>
+              <a:rPr lang="en-US" dirty="0" smtClean="0">
+                <a:latin typeface="Berlin Sans FB" panose="020E0602020502020306" pitchFamily="34" charset="0"/>
+              </a:rPr>
+              <a:t> VS </a:t>
+            </a:r>
+            <a:r>
               <a:rPr lang="en-US" dirty="0">
                 <a:latin typeface="Berlin Sans FB" panose="020E0602020502020306" pitchFamily="34" charset="0"/>
               </a:rPr>
-              <a:t>VS Code IDE </a:t>
+              <a:t>Code IDE </a:t>
             </a:r>
           </a:p>
           <a:p>
@@ -7396,11 +7402,14 @@
               <a:buChar char="Ø"/>
             </a:pPr>
             <a:r>
-              <a:rPr lang="en-US" dirty="0">
+              <a:rPr lang="en-US" dirty="0" smtClean="0">
                 <a:latin typeface="Berlin Sans FB" panose="020E0602020502020306" pitchFamily="34" charset="0"/>
               </a:rPr>
-              <a:t>Flutter</a:t>
-            </a:r>
+              <a:t> Flutter</a:t>
+            </a:r>
+            <a:endParaRPr lang="en-US" dirty="0">
+              <a:latin typeface="Berlin Sans FB" panose="020E0602020502020306" pitchFamily="34" charset="0"/>
+            </a:endParaRPr>
           </a:p>
           <a:p>
             <a:pPr>
@@ -7420,11 +7429,14 @@
               <a:buChar char="Ø"/>
             </a:pPr>
             <a:r>
-              <a:rPr lang="en-US" dirty="0">
+              <a:rPr lang="en-US" dirty="0" smtClean="0">
                 <a:latin typeface="Berlin Sans FB" panose="020E0602020502020306" pitchFamily="34" charset="0"/>
               </a:rPr>
-              <a:t>Windows</a:t>
-            </a:r>
+              <a:t> Windows</a:t>
+            </a:r>
+            <a:endParaRPr lang="en-US" dirty="0">
+              <a:latin typeface="Berlin Sans FB" panose="020E0602020502020306" pitchFamily="34" charset="0"/>
+            </a:endParaRPr>
           </a:p>
           <a:p>
             <a:pPr>
@@ -7432,10 +7444,16 @@
               <a:buChar char="Ø"/>
             </a:pPr>
             <a:r>
+              <a:rPr lang="en-US" dirty="0" smtClean="0">
+                <a:latin typeface="Berlin Sans FB" panose="020E0602020502020306" pitchFamily="34" charset="0"/>
+              </a:rPr>
+              <a:t> Android </a:t>
+            </a:r>
+            <a:r>
               <a:rPr lang="en-US" dirty="0">
                 <a:latin typeface="Berlin Sans FB" panose="020E0602020502020306" pitchFamily="34" charset="0"/>
               </a:rPr>
-              <a:t>Android device</a:t>
+              <a:t>device</a:t>
             </a:r>
           </a:p>
         </p:txBody>
@@ -7568,7 +7586,7 @@
         </p:spPr>
         <p:txBody>
           <a:bodyPr>
-            <a:normAutofit fontScale="85000" lnSpcReduction="10000"/>
+            <a:normAutofit/>
           </a:bodyPr>
           <a:lstStyle/>
           <a:p>
@@ -7577,10 +7595,16 @@
               <a:buChar char="Ø"/>
             </a:pPr>
             <a:r>
+              <a:rPr lang="en-GB" dirty="0" smtClean="0">
+                <a:latin typeface="Berlin Sans FB" panose="020E0602020502020306" pitchFamily="34" charset="0"/>
+              </a:rPr>
+              <a:t>notify </a:t>
+            </a:r>
+            <a:r>
               <a:rPr lang="en-GB" dirty="0">
                 <a:latin typeface="Berlin Sans FB" panose="020E0602020502020306" pitchFamily="34" charset="0"/>
               </a:rPr>
-              <a:t>E-Blood Bank will be able to notify the users as per their role in our system</a:t>
+              <a:t>the users as per their role in our system</a:t>
             </a:r>
           </a:p>
           <a:p>
@@ -7589,11 +7613,14 @@
               <a:buChar char="Ø"/>
             </a:pPr>
             <a:r>
-              <a:rPr lang="en-GB" dirty="0">
+              <a:rPr lang="en-GB" dirty="0" smtClean="0">
                 <a:latin typeface="Berlin Sans FB" panose="020E0602020502020306" pitchFamily="34" charset="0"/>
               </a:rPr>
-              <a:t>When there is any need of blood for recipient, he/she will press an emergency button for the demand of the blood mentioning a blood group and place</a:t>
-            </a:r>
+              <a:t>ON DEMAND BLOOD SOURCING AS PER CATEGORY</a:t>
+            </a:r>
+            <a:endParaRPr lang="en-GB" dirty="0">
+              <a:latin typeface="Berlin Sans FB" panose="020E0602020502020306" pitchFamily="34" charset="0"/>
+            </a:endParaRPr>
           </a:p>
           <a:p>
             <a:pPr>
@@ -7601,11 +7628,14 @@
               <a:buChar char="Ø"/>
             </a:pPr>
             <a:r>
-              <a:rPr lang="en-GB" dirty="0">
+              <a:rPr lang="en-GB" dirty="0" smtClean="0">
                 <a:latin typeface="Berlin Sans FB" panose="020E0602020502020306" pitchFamily="34" charset="0"/>
               </a:rPr>
-              <a:t> Then our system will scan the donors registered in the app near the area.</a:t>
-            </a:r>
+              <a:t>PROVIDE SHORTEST PATH TO THE DESTINATION</a:t>
+            </a:r>
+            <a:endParaRPr lang="en-GB" dirty="0" smtClean="0">
+              <a:latin typeface="Berlin Sans FB" panose="020E0602020502020306" pitchFamily="34" charset="0"/>
+            </a:endParaRPr>
           </a:p>
           <a:p>
             <a:pPr>
@@ -7613,10 +7643,28 @@
               <a:buChar char="Ø"/>
             </a:pPr>
             <a:r>
+              <a:rPr lang="en-GB" dirty="0" smtClean="0">
+                <a:latin typeface="Berlin Sans FB" panose="020E0602020502020306" pitchFamily="34" charset="0"/>
+              </a:rPr>
+              <a:t>Available </a:t>
+            </a:r>
+            <a:r>
               <a:rPr lang="en-GB" dirty="0">
                 <a:latin typeface="Berlin Sans FB" panose="020E0602020502020306" pitchFamily="34" charset="0"/>
               </a:rPr>
-              <a:t>The donor that would take least time to reach the blood seeker will be prioritized first which will be calculated by our system</a:t>
+              <a:t>possible donors residing nearby locations will be notified via </a:t>
+            </a:r>
+            <a:r>
+              <a:rPr lang="en-GB" dirty="0" smtClean="0">
+                <a:latin typeface="Berlin Sans FB" panose="020E0602020502020306" pitchFamily="34" charset="0"/>
+              </a:rPr>
+              <a:t>IN-APP alert buzzer AND SMS and </a:t>
+            </a:r>
+            <a:r>
+              <a:rPr lang="en-GB" dirty="0">
+                <a:latin typeface="Berlin Sans FB" panose="020E0602020502020306" pitchFamily="34" charset="0"/>
+              </a:rPr>
+              <a:t>the location information through GPS system will be provided</a:t>
             </a:r>
           </a:p>
           <a:p>
@@ -7625,22 +7673,16 @@
               <a:buChar char="Ø"/>
             </a:pPr>
             <a:r>
+              <a:rPr lang="en-GB" dirty="0" smtClean="0">
+                <a:latin typeface="Berlin Sans FB" panose="020E0602020502020306" pitchFamily="34" charset="0"/>
+              </a:rPr>
+              <a:t>notify </a:t>
+            </a:r>
+            <a:r>
               <a:rPr lang="en-GB" dirty="0">
                 <a:latin typeface="Berlin Sans FB" panose="020E0602020502020306" pitchFamily="34" charset="0"/>
               </a:rPr>
-              <a:t>Available possible donors residing nearby locations will be notified via alert buzzer in app or SMS if required and the location information through GPS system will be provided</a:t>
-            </a:r>
-          </a:p>
-          <a:p>
-            <a:pPr>
-              <a:buFont typeface="Wingdings" panose="05000000000000000000" pitchFamily="2" charset="2"/>
-              <a:buChar char="Ø"/>
-            </a:pPr>
-            <a:r>
-              <a:rPr lang="en-GB" dirty="0">
-                <a:latin typeface="Berlin Sans FB" panose="020E0602020502020306" pitchFamily="34" charset="0"/>
-              </a:rPr>
-              <a:t>Our system will also notify our users about the upcoming or ongoing related campaigns as well</a:t>
+              <a:t>our users about the upcoming or ongoing related campaigns as well</a:t>
             </a:r>
             <a:endParaRPr lang="en-US" dirty="0">
               <a:latin typeface="Berlin Sans FB" panose="020E0602020502020306" pitchFamily="34" charset="0"/>
@@ -8634,21 +8676,21 @@
                 <a:gridCol w="573206">
                   <a:extLst>
                     <a:ext uri="{9D8B030D-6E8A-4147-A177-3AD203B41FA5}">
-                      <a16:colId xmlns:a16="http://schemas.microsoft.com/office/drawing/2014/main" val="20000"/>
+                      <a16:colId xmlns:a16="http://schemas.microsoft.com/office/drawing/2014/main" xmlns="" val="20000"/>
                     </a:ext>
                   </a:extLst>
                 </a:gridCol>
                 <a:gridCol w="3234519">
                   <a:extLst>
                     <a:ext uri="{9D8B030D-6E8A-4147-A177-3AD203B41FA5}">
-                      <a16:colId xmlns:a16="http://schemas.microsoft.com/office/drawing/2014/main" val="20001"/>
+                      <a16:colId xmlns:a16="http://schemas.microsoft.com/office/drawing/2014/main" xmlns="" val="20001"/>
                     </a:ext>
                   </a:extLst>
                 </a:gridCol>
                 <a:gridCol w="8384275">
                   <a:extLst>
                     <a:ext uri="{9D8B030D-6E8A-4147-A177-3AD203B41FA5}">
-                      <a16:colId xmlns:a16="http://schemas.microsoft.com/office/drawing/2014/main" val="20002"/>
+                      <a16:colId xmlns:a16="http://schemas.microsoft.com/office/drawing/2014/main" xmlns="" val="20002"/>
                     </a:ext>
                   </a:extLst>
                 </a:gridCol>
@@ -8702,7 +8744,7 @@
                 </a:tc>
                 <a:extLst>
                   <a:ext uri="{0D108BD9-81ED-4DB2-BD59-A6C34878D82A}">
-                    <a16:rowId xmlns:a16="http://schemas.microsoft.com/office/drawing/2014/main" val="10000"/>
+                    <a16:rowId xmlns:a16="http://schemas.microsoft.com/office/drawing/2014/main" xmlns="" val="10000"/>
                   </a:ext>
                 </a:extLst>
               </a:tr>
@@ -8758,7 +8800,7 @@
                 </a:tc>
                 <a:extLst>
                   <a:ext uri="{0D108BD9-81ED-4DB2-BD59-A6C34878D82A}">
-                    <a16:rowId xmlns:a16="http://schemas.microsoft.com/office/drawing/2014/main" val="10001"/>
+                    <a16:rowId xmlns:a16="http://schemas.microsoft.com/office/drawing/2014/main" xmlns="" val="10001"/>
                   </a:ext>
                 </a:extLst>
               </a:tr>
@@ -8822,7 +8864,7 @@
                 </a:tc>
                 <a:extLst>
                   <a:ext uri="{0D108BD9-81ED-4DB2-BD59-A6C34878D82A}">
-                    <a16:rowId xmlns:a16="http://schemas.microsoft.com/office/drawing/2014/main" val="10002"/>
+                    <a16:rowId xmlns:a16="http://schemas.microsoft.com/office/drawing/2014/main" xmlns="" val="10002"/>
                   </a:ext>
                 </a:extLst>
               </a:tr>
@@ -8871,7 +8913,7 @@
                 </a:tc>
                 <a:extLst>
                   <a:ext uri="{0D108BD9-81ED-4DB2-BD59-A6C34878D82A}">
-                    <a16:rowId xmlns:a16="http://schemas.microsoft.com/office/drawing/2014/main" val="10003"/>
+                    <a16:rowId xmlns:a16="http://schemas.microsoft.com/office/drawing/2014/main" xmlns="" val="10003"/>
                   </a:ext>
                 </a:extLst>
               </a:tr>
@@ -8927,7 +8969,7 @@
                 </a:tc>
                 <a:extLst>
                   <a:ext uri="{0D108BD9-81ED-4DB2-BD59-A6C34878D82A}">
-                    <a16:rowId xmlns:a16="http://schemas.microsoft.com/office/drawing/2014/main" val="10004"/>
+                    <a16:rowId xmlns:a16="http://schemas.microsoft.com/office/drawing/2014/main" xmlns="" val="10004"/>
                   </a:ext>
                 </a:extLst>
               </a:tr>
@@ -9018,7 +9060,7 @@
                 </a:tc>
                 <a:extLst>
                   <a:ext uri="{0D108BD9-81ED-4DB2-BD59-A6C34878D82A}">
-                    <a16:rowId xmlns:a16="http://schemas.microsoft.com/office/drawing/2014/main" val="10005"/>
+                    <a16:rowId xmlns:a16="http://schemas.microsoft.com/office/drawing/2014/main" xmlns="" val="10005"/>
                   </a:ext>
                 </a:extLst>
               </a:tr>
@@ -9066,7 +9108,7 @@
                 </a:tc>
                 <a:extLst>
                   <a:ext uri="{0D108BD9-81ED-4DB2-BD59-A6C34878D82A}">
-                    <a16:rowId xmlns:a16="http://schemas.microsoft.com/office/drawing/2014/main" val="10006"/>
+                    <a16:rowId xmlns:a16="http://schemas.microsoft.com/office/drawing/2014/main" xmlns="" val="10006"/>
                   </a:ext>
                 </a:extLst>
               </a:tr>
@@ -9282,7 +9324,7 @@
           <p:cNvPr id="4" name="Date Placeholder 3">
             <a:extLst>
               <a:ext uri="{FF2B5EF4-FFF2-40B4-BE49-F238E27FC236}">
-                <a16:creationId xmlns:a16="http://schemas.microsoft.com/office/drawing/2014/main" id="{88463CF7-8C45-440B-9A13-B1E5238685E7}"/>
+                <a16:creationId xmlns:a16="http://schemas.microsoft.com/office/drawing/2014/main" xmlns="" id="{88463CF7-8C45-440B-9A13-B1E5238685E7}"/>
               </a:ext>
             </a:extLst>
           </p:cNvPr>
@@ -9311,7 +9353,7 @@
           <p:cNvPr id="5" name="Slide Number Placeholder 4">
             <a:extLst>
               <a:ext uri="{FF2B5EF4-FFF2-40B4-BE49-F238E27FC236}">
-                <a16:creationId xmlns:a16="http://schemas.microsoft.com/office/drawing/2014/main" id="{0E92839C-8987-4DAC-9DE5-EB052E2874BA}"/>
+                <a16:creationId xmlns:a16="http://schemas.microsoft.com/office/drawing/2014/main" xmlns="" id="{0E92839C-8987-4DAC-9DE5-EB052E2874BA}"/>
               </a:ext>
             </a:extLst>
           </p:cNvPr>
@@ -9340,7 +9382,7 @@
           <p:cNvPr id="8" name="TextBox 7">
             <a:extLst>
               <a:ext uri="{FF2B5EF4-FFF2-40B4-BE49-F238E27FC236}">
-                <a16:creationId xmlns:a16="http://schemas.microsoft.com/office/drawing/2014/main" id="{0A4981EF-BD07-459E-8C30-127612E45F64}"/>
+                <a16:creationId xmlns:a16="http://schemas.microsoft.com/office/drawing/2014/main" xmlns="" id="{0A4981EF-BD07-459E-8C30-127612E45F64}"/>
               </a:ext>
             </a:extLst>
           </p:cNvPr>
@@ -9429,7 +9471,7 @@
           <p:cNvPr id="10" name="Picture 9">
             <a:extLst>
               <a:ext uri="{FF2B5EF4-FFF2-40B4-BE49-F238E27FC236}">
-                <a16:creationId xmlns:a16="http://schemas.microsoft.com/office/drawing/2014/main" id="{B2676F85-090B-40D8-92F6-E207889BE9A1}"/>
+                <a16:creationId xmlns:a16="http://schemas.microsoft.com/office/drawing/2014/main" xmlns="" id="{B2676F85-090B-40D8-92F6-E207889BE9A1}"/>
               </a:ext>
             </a:extLst>
           </p:cNvPr>
@@ -9465,7 +9507,7 @@
           <p:cNvPr id="11" name="TextBox 10">
             <a:extLst>
               <a:ext uri="{FF2B5EF4-FFF2-40B4-BE49-F238E27FC236}">
-                <a16:creationId xmlns:a16="http://schemas.microsoft.com/office/drawing/2014/main" id="{30EAFCDD-E41C-499C-9F4F-2A06804D075C}"/>
+                <a16:creationId xmlns:a16="http://schemas.microsoft.com/office/drawing/2014/main" xmlns="" id="{30EAFCDD-E41C-499C-9F4F-2A06804D075C}"/>
               </a:ext>
             </a:extLst>
           </p:cNvPr>

--- a/E-BloodBank_proposal.pptx
+++ b/E-BloodBank_proposal.pptx
@@ -7031,7 +7031,7 @@
           <p:cNvPr id="9" name="Picture 8">
             <a:extLst>
               <a:ext uri="{FF2B5EF4-FFF2-40B4-BE49-F238E27FC236}">
-                <a16:creationId xmlns:a16="http://schemas.microsoft.com/office/drawing/2014/main" xmlns="" id="{A16D2228-E1C8-4CB5-98A4-FCB91D6C904F}"/>
+                <a16:creationId xmlns:a16="http://schemas.microsoft.com/office/drawing/2014/main" id="{A16D2228-E1C8-4CB5-98A4-FCB91D6C904F}"/>
               </a:ext>
             </a:extLst>
           </p:cNvPr>
@@ -7213,7 +7213,7 @@
           <p:cNvPr id="7" name="Oval 6">
             <a:extLst>
               <a:ext uri="{FF2B5EF4-FFF2-40B4-BE49-F238E27FC236}">
-                <a16:creationId xmlns:a16="http://schemas.microsoft.com/office/drawing/2014/main" xmlns="" id="{76626F48-FDE1-459B-8195-E01A520789EC}"/>
+                <a16:creationId xmlns:a16="http://schemas.microsoft.com/office/drawing/2014/main" id="{76626F48-FDE1-459B-8195-E01A520789EC}"/>
               </a:ext>
             </a:extLst>
           </p:cNvPr>
@@ -7222,7 +7222,7 @@
         </p:nvSpPr>
         <p:spPr>
           <a:xfrm>
-            <a:off x="5112912" y="4121238"/>
+            <a:off x="5112912" y="4829574"/>
             <a:ext cx="1210614" cy="515155"/>
           </a:xfrm>
           <a:prstGeom prst="ellipse">
@@ -7269,7 +7269,7 @@
           <p:cNvPr id="3" name="TextBox 2">
             <a:extLst>
               <a:ext uri="{FF2B5EF4-FFF2-40B4-BE49-F238E27FC236}">
-                <a16:creationId xmlns:a16="http://schemas.microsoft.com/office/drawing/2014/main" xmlns="" id="{6B320298-39B8-4811-81EC-0EC5378E4CDE}"/>
+                <a16:creationId xmlns:a16="http://schemas.microsoft.com/office/drawing/2014/main" id="{6B320298-39B8-4811-81EC-0EC5378E4CDE}"/>
               </a:ext>
             </a:extLst>
           </p:cNvPr>
@@ -7278,7 +7278,7 @@
         </p:nvSpPr>
         <p:spPr>
           <a:xfrm>
-            <a:off x="5196624" y="4224926"/>
+            <a:off x="5196624" y="4933262"/>
             <a:ext cx="1043189" cy="307777"/>
           </a:xfrm>
           <a:prstGeom prst="rect">
@@ -7384,16 +7384,10 @@
               <a:buChar char="Ø"/>
             </a:pPr>
             <a:r>
-              <a:rPr lang="en-US" dirty="0" smtClean="0">
-                <a:latin typeface="Berlin Sans FB" panose="020E0602020502020306" pitchFamily="34" charset="0"/>
-              </a:rPr>
-              <a:t> VS </a:t>
-            </a:r>
-            <a:r>
               <a:rPr lang="en-US" dirty="0">
                 <a:latin typeface="Berlin Sans FB" panose="020E0602020502020306" pitchFamily="34" charset="0"/>
               </a:rPr>
-              <a:t>Code IDE </a:t>
+              <a:t> VS Code IDE </a:t>
             </a:r>
           </a:p>
           <a:p>
@@ -7402,14 +7396,11 @@
               <a:buChar char="Ø"/>
             </a:pPr>
             <a:r>
-              <a:rPr lang="en-US" dirty="0" smtClean="0">
+              <a:rPr lang="en-US" dirty="0">
                 <a:latin typeface="Berlin Sans FB" panose="020E0602020502020306" pitchFamily="34" charset="0"/>
               </a:rPr>
               <a:t> Flutter</a:t>
             </a:r>
-            <a:endParaRPr lang="en-US" dirty="0">
-              <a:latin typeface="Berlin Sans FB" panose="020E0602020502020306" pitchFamily="34" charset="0"/>
-            </a:endParaRPr>
           </a:p>
           <a:p>
             <a:pPr>
@@ -7429,14 +7420,11 @@
               <a:buChar char="Ø"/>
             </a:pPr>
             <a:r>
-              <a:rPr lang="en-US" dirty="0" smtClean="0">
+              <a:rPr lang="en-US" dirty="0">
                 <a:latin typeface="Berlin Sans FB" panose="020E0602020502020306" pitchFamily="34" charset="0"/>
               </a:rPr>
               <a:t> Windows</a:t>
             </a:r>
-            <a:endParaRPr lang="en-US" dirty="0">
-              <a:latin typeface="Berlin Sans FB" panose="020E0602020502020306" pitchFamily="34" charset="0"/>
-            </a:endParaRPr>
           </a:p>
           <a:p>
             <a:pPr>
@@ -7444,16 +7432,10 @@
               <a:buChar char="Ø"/>
             </a:pPr>
             <a:r>
-              <a:rPr lang="en-US" dirty="0" smtClean="0">
-                <a:latin typeface="Berlin Sans FB" panose="020E0602020502020306" pitchFamily="34" charset="0"/>
-              </a:rPr>
-              <a:t> Android </a:t>
-            </a:r>
-            <a:r>
               <a:rPr lang="en-US" dirty="0">
                 <a:latin typeface="Berlin Sans FB" panose="020E0602020502020306" pitchFamily="34" charset="0"/>
               </a:rPr>
-              <a:t>device</a:t>
+              <a:t> Android device</a:t>
             </a:r>
           </a:p>
         </p:txBody>
@@ -7595,16 +7577,10 @@
               <a:buChar char="Ø"/>
             </a:pPr>
             <a:r>
-              <a:rPr lang="en-GB" dirty="0" smtClean="0">
-                <a:latin typeface="Berlin Sans FB" panose="020E0602020502020306" pitchFamily="34" charset="0"/>
-              </a:rPr>
-              <a:t>notify </a:t>
-            </a:r>
-            <a:r>
               <a:rPr lang="en-GB" dirty="0">
                 <a:latin typeface="Berlin Sans FB" panose="020E0602020502020306" pitchFamily="34" charset="0"/>
               </a:rPr>
-              <a:t>the users as per their role in our system</a:t>
+              <a:t>notify the users as per their role in our system</a:t>
             </a:r>
           </a:p>
           <a:p>
@@ -7613,14 +7589,11 @@
               <a:buChar char="Ø"/>
             </a:pPr>
             <a:r>
-              <a:rPr lang="en-GB" dirty="0" smtClean="0">
+              <a:rPr lang="en-GB" dirty="0">
                 <a:latin typeface="Berlin Sans FB" panose="020E0602020502020306" pitchFamily="34" charset="0"/>
               </a:rPr>
               <a:t>ON DEMAND BLOOD SOURCING AS PER CATEGORY</a:t>
             </a:r>
-            <a:endParaRPr lang="en-GB" dirty="0">
-              <a:latin typeface="Berlin Sans FB" panose="020E0602020502020306" pitchFamily="34" charset="0"/>
-            </a:endParaRPr>
           </a:p>
           <a:p>
             <a:pPr>
@@ -7628,14 +7601,11 @@
               <a:buChar char="Ø"/>
             </a:pPr>
             <a:r>
-              <a:rPr lang="en-GB" dirty="0" smtClean="0">
+              <a:rPr lang="en-GB" dirty="0">
                 <a:latin typeface="Berlin Sans FB" panose="020E0602020502020306" pitchFamily="34" charset="0"/>
               </a:rPr>
               <a:t>PROVIDE SHORTEST PATH TO THE DESTINATION</a:t>
             </a:r>
-            <a:endParaRPr lang="en-GB" dirty="0" smtClean="0">
-              <a:latin typeface="Berlin Sans FB" panose="020E0602020502020306" pitchFamily="34" charset="0"/>
-            </a:endParaRPr>
           </a:p>
           <a:p>
             <a:pPr>
@@ -7643,28 +7613,10 @@
               <a:buChar char="Ø"/>
             </a:pPr>
             <a:r>
-              <a:rPr lang="en-GB" dirty="0" smtClean="0">
-                <a:latin typeface="Berlin Sans FB" panose="020E0602020502020306" pitchFamily="34" charset="0"/>
-              </a:rPr>
-              <a:t>Available </a:t>
-            </a:r>
-            <a:r>
               <a:rPr lang="en-GB" dirty="0">
                 <a:latin typeface="Berlin Sans FB" panose="020E0602020502020306" pitchFamily="34" charset="0"/>
               </a:rPr>
-              <a:t>possible donors residing nearby locations will be notified via </a:t>
-            </a:r>
-            <a:r>
-              <a:rPr lang="en-GB" dirty="0" smtClean="0">
-                <a:latin typeface="Berlin Sans FB" panose="020E0602020502020306" pitchFamily="34" charset="0"/>
-              </a:rPr>
-              <a:t>IN-APP alert buzzer AND SMS and </a:t>
-            </a:r>
-            <a:r>
-              <a:rPr lang="en-GB" dirty="0">
-                <a:latin typeface="Berlin Sans FB" panose="020E0602020502020306" pitchFamily="34" charset="0"/>
-              </a:rPr>
-              <a:t>the location information through GPS system will be provided</a:t>
+              <a:t>Available possible donors residing nearby locations will be notified via IN-APP alert buzzer AND SMS and the location information through GPS system will be provided</a:t>
             </a:r>
           </a:p>
           <a:p>
@@ -7673,16 +7625,10 @@
               <a:buChar char="Ø"/>
             </a:pPr>
             <a:r>
-              <a:rPr lang="en-GB" dirty="0" smtClean="0">
-                <a:latin typeface="Berlin Sans FB" panose="020E0602020502020306" pitchFamily="34" charset="0"/>
-              </a:rPr>
-              <a:t>notify </a:t>
-            </a:r>
-            <a:r>
               <a:rPr lang="en-GB" dirty="0">
                 <a:latin typeface="Berlin Sans FB" panose="020E0602020502020306" pitchFamily="34" charset="0"/>
               </a:rPr>
-              <a:t>our users about the upcoming or ongoing related campaigns as well</a:t>
+              <a:t>notify our users about the upcoming or ongoing related campaigns as well</a:t>
             </a:r>
             <a:endParaRPr lang="en-US" dirty="0">
               <a:latin typeface="Berlin Sans FB" panose="020E0602020502020306" pitchFamily="34" charset="0"/>
@@ -8676,21 +8622,21 @@
                 <a:gridCol w="573206">
                   <a:extLst>
                     <a:ext uri="{9D8B030D-6E8A-4147-A177-3AD203B41FA5}">
-                      <a16:colId xmlns:a16="http://schemas.microsoft.com/office/drawing/2014/main" xmlns="" val="20000"/>
+                      <a16:colId xmlns:a16="http://schemas.microsoft.com/office/drawing/2014/main" val="20000"/>
                     </a:ext>
                   </a:extLst>
                 </a:gridCol>
                 <a:gridCol w="3234519">
                   <a:extLst>
                     <a:ext uri="{9D8B030D-6E8A-4147-A177-3AD203B41FA5}">
-                      <a16:colId xmlns:a16="http://schemas.microsoft.com/office/drawing/2014/main" xmlns="" val="20001"/>
+                      <a16:colId xmlns:a16="http://schemas.microsoft.com/office/drawing/2014/main" val="20001"/>
                     </a:ext>
                   </a:extLst>
                 </a:gridCol>
                 <a:gridCol w="8384275">
                   <a:extLst>
                     <a:ext uri="{9D8B030D-6E8A-4147-A177-3AD203B41FA5}">
-                      <a16:colId xmlns:a16="http://schemas.microsoft.com/office/drawing/2014/main" xmlns="" val="20002"/>
+                      <a16:colId xmlns:a16="http://schemas.microsoft.com/office/drawing/2014/main" val="20002"/>
                     </a:ext>
                   </a:extLst>
                 </a:gridCol>
@@ -8744,7 +8690,7 @@
                 </a:tc>
                 <a:extLst>
                   <a:ext uri="{0D108BD9-81ED-4DB2-BD59-A6C34878D82A}">
-                    <a16:rowId xmlns:a16="http://schemas.microsoft.com/office/drawing/2014/main" xmlns="" val="10000"/>
+                    <a16:rowId xmlns:a16="http://schemas.microsoft.com/office/drawing/2014/main" val="10000"/>
                   </a:ext>
                 </a:extLst>
               </a:tr>
@@ -8800,7 +8746,7 @@
                 </a:tc>
                 <a:extLst>
                   <a:ext uri="{0D108BD9-81ED-4DB2-BD59-A6C34878D82A}">
-                    <a16:rowId xmlns:a16="http://schemas.microsoft.com/office/drawing/2014/main" xmlns="" val="10001"/>
+                    <a16:rowId xmlns:a16="http://schemas.microsoft.com/office/drawing/2014/main" val="10001"/>
                   </a:ext>
                 </a:extLst>
               </a:tr>
@@ -8864,7 +8810,7 @@
                 </a:tc>
                 <a:extLst>
                   <a:ext uri="{0D108BD9-81ED-4DB2-BD59-A6C34878D82A}">
-                    <a16:rowId xmlns:a16="http://schemas.microsoft.com/office/drawing/2014/main" xmlns="" val="10002"/>
+                    <a16:rowId xmlns:a16="http://schemas.microsoft.com/office/drawing/2014/main" val="10002"/>
                   </a:ext>
                 </a:extLst>
               </a:tr>
@@ -8913,7 +8859,7 @@
                 </a:tc>
                 <a:extLst>
                   <a:ext uri="{0D108BD9-81ED-4DB2-BD59-A6C34878D82A}">
-                    <a16:rowId xmlns:a16="http://schemas.microsoft.com/office/drawing/2014/main" xmlns="" val="10003"/>
+                    <a16:rowId xmlns:a16="http://schemas.microsoft.com/office/drawing/2014/main" val="10003"/>
                   </a:ext>
                 </a:extLst>
               </a:tr>
@@ -8969,7 +8915,7 @@
                 </a:tc>
                 <a:extLst>
                   <a:ext uri="{0D108BD9-81ED-4DB2-BD59-A6C34878D82A}">
-                    <a16:rowId xmlns:a16="http://schemas.microsoft.com/office/drawing/2014/main" xmlns="" val="10004"/>
+                    <a16:rowId xmlns:a16="http://schemas.microsoft.com/office/drawing/2014/main" val="10004"/>
                   </a:ext>
                 </a:extLst>
               </a:tr>
@@ -9060,7 +9006,7 @@
                 </a:tc>
                 <a:extLst>
                   <a:ext uri="{0D108BD9-81ED-4DB2-BD59-A6C34878D82A}">
-                    <a16:rowId xmlns:a16="http://schemas.microsoft.com/office/drawing/2014/main" xmlns="" val="10005"/>
+                    <a16:rowId xmlns:a16="http://schemas.microsoft.com/office/drawing/2014/main" val="10005"/>
                   </a:ext>
                 </a:extLst>
               </a:tr>
@@ -9108,7 +9054,7 @@
                 </a:tc>
                 <a:extLst>
                   <a:ext uri="{0D108BD9-81ED-4DB2-BD59-A6C34878D82A}">
-                    <a16:rowId xmlns:a16="http://schemas.microsoft.com/office/drawing/2014/main" xmlns="" val="10006"/>
+                    <a16:rowId xmlns:a16="http://schemas.microsoft.com/office/drawing/2014/main" val="10006"/>
                   </a:ext>
                 </a:extLst>
               </a:tr>
@@ -9324,7 +9270,7 @@
           <p:cNvPr id="4" name="Date Placeholder 3">
             <a:extLst>
               <a:ext uri="{FF2B5EF4-FFF2-40B4-BE49-F238E27FC236}">
-                <a16:creationId xmlns:a16="http://schemas.microsoft.com/office/drawing/2014/main" xmlns="" id="{88463CF7-8C45-440B-9A13-B1E5238685E7}"/>
+                <a16:creationId xmlns:a16="http://schemas.microsoft.com/office/drawing/2014/main" id="{88463CF7-8C45-440B-9A13-B1E5238685E7}"/>
               </a:ext>
             </a:extLst>
           </p:cNvPr>
@@ -9335,16 +9281,21 @@
             <p:ph type="dt" sz="half" idx="10"/>
           </p:nvPr>
         </p:nvSpPr>
-        <p:spPr/>
+        <p:spPr>
+          <a:xfrm>
+            <a:off x="-975867" y="6434688"/>
+            <a:ext cx="2743200" cy="365125"/>
+          </a:xfrm>
+        </p:spPr>
         <p:txBody>
           <a:bodyPr/>
           <a:lstStyle/>
           <a:p>
             <a:fld id="{9A8784F4-644A-47F3-8F4A-7ED29E9976DE}" type="datetime1">
-              <a:rPr lang="en-US" smtClean="0"/>
+              <a:rPr lang="en-US" sz="2000" smtClean="0"/>
               <a:t>12/14/2020</a:t>
             </a:fld>
-            <a:endParaRPr lang="en-US"/>
+            <a:endParaRPr lang="en-US" dirty="0"/>
           </a:p>
         </p:txBody>
       </p:sp>
@@ -9353,7 +9304,7 @@
           <p:cNvPr id="5" name="Slide Number Placeholder 4">
             <a:extLst>
               <a:ext uri="{FF2B5EF4-FFF2-40B4-BE49-F238E27FC236}">
-                <a16:creationId xmlns:a16="http://schemas.microsoft.com/office/drawing/2014/main" xmlns="" id="{0E92839C-8987-4DAC-9DE5-EB052E2874BA}"/>
+                <a16:creationId xmlns:a16="http://schemas.microsoft.com/office/drawing/2014/main" id="{0E92839C-8987-4DAC-9DE5-EB052E2874BA}"/>
               </a:ext>
             </a:extLst>
           </p:cNvPr>
@@ -9364,16 +9315,21 @@
             <p:ph type="sldNum" sz="quarter" idx="12"/>
           </p:nvPr>
         </p:nvSpPr>
-        <p:spPr/>
+        <p:spPr>
+          <a:xfrm>
+            <a:off x="10797346" y="6371539"/>
+            <a:ext cx="764215" cy="365125"/>
+          </a:xfrm>
+        </p:spPr>
         <p:txBody>
           <a:bodyPr/>
           <a:lstStyle/>
           <a:p>
             <a:fld id="{E60BBF07-671A-46E4-8281-EB1480A5D8C2}" type="slidenum">
-              <a:rPr lang="en-US" smtClean="0"/>
+              <a:rPr lang="en-US" sz="2000" smtClean="0"/>
               <a:t>8</a:t>
             </a:fld>
-            <a:endParaRPr lang="en-US"/>
+            <a:endParaRPr lang="en-US" sz="2000" dirty="0"/>
           </a:p>
         </p:txBody>
       </p:sp>
@@ -9382,7 +9338,7 @@
           <p:cNvPr id="8" name="TextBox 7">
             <a:extLst>
               <a:ext uri="{FF2B5EF4-FFF2-40B4-BE49-F238E27FC236}">
-                <a16:creationId xmlns:a16="http://schemas.microsoft.com/office/drawing/2014/main" xmlns="" id="{0A4981EF-BD07-459E-8C30-127612E45F64}"/>
+                <a16:creationId xmlns:a16="http://schemas.microsoft.com/office/drawing/2014/main" id="{0A4981EF-BD07-459E-8C30-127612E45F64}"/>
               </a:ext>
             </a:extLst>
           </p:cNvPr>
@@ -9471,7 +9427,7 @@
           <p:cNvPr id="10" name="Picture 9">
             <a:extLst>
               <a:ext uri="{FF2B5EF4-FFF2-40B4-BE49-F238E27FC236}">
-                <a16:creationId xmlns:a16="http://schemas.microsoft.com/office/drawing/2014/main" xmlns="" id="{B2676F85-090B-40D8-92F6-E207889BE9A1}"/>
+                <a16:creationId xmlns:a16="http://schemas.microsoft.com/office/drawing/2014/main" id="{B2676F85-090B-40D8-92F6-E207889BE9A1}"/>
               </a:ext>
             </a:extLst>
           </p:cNvPr>
@@ -9507,7 +9463,7 @@
           <p:cNvPr id="11" name="TextBox 10">
             <a:extLst>
               <a:ext uri="{FF2B5EF4-FFF2-40B4-BE49-F238E27FC236}">
-                <a16:creationId xmlns:a16="http://schemas.microsoft.com/office/drawing/2014/main" xmlns="" id="{30EAFCDD-E41C-499C-9F4F-2A06804D075C}"/>
+                <a16:creationId xmlns:a16="http://schemas.microsoft.com/office/drawing/2014/main" id="{30EAFCDD-E41C-499C-9F4F-2A06804D075C}"/>
               </a:ext>
             </a:extLst>
           </p:cNvPr>
